--- a/ExcelFundamentalsfordataanalysis.pptx
+++ b/ExcelFundamentalsfordataanalysis.pptx
@@ -8,6 +8,11 @@
     <p:sldId id="256" r:id="rId2"/>
     <p:sldId id="257" r:id="rId3"/>
     <p:sldId id="258" r:id="rId4"/>
+    <p:sldId id="259" r:id="rId5"/>
+    <p:sldId id="260" r:id="rId6"/>
+    <p:sldId id="261" r:id="rId7"/>
+    <p:sldId id="262" r:id="rId8"/>
+    <p:sldId id="263" r:id="rId9"/>
   </p:sldIdLst>
   <p:sldSz cx="12192000" cy="6858000"/>
   <p:notesSz cx="6858000" cy="9144000"/>
@@ -107,6 +112,30 @@
     </a:lvl9pPr>
   </p:defaultTextStyle>
   <p:extLst>
+    <p:ext uri="{521415D9-36F7-43E2-AB2F-B90AF26B5E84}">
+      <p14:sectionLst xmlns:p14="http://schemas.microsoft.com/office/powerpoint/2010/main">
+        <p14:section name="Default Section" id="{78DFAB21-5DA5-4CCB-B6BD-B668F3761577}">
+          <p14:sldIdLst>
+            <p14:sldId id="256"/>
+          </p14:sldIdLst>
+        </p14:section>
+        <p14:section name="Combine" id="{2F5B3386-58C3-4385-9966-5183BFAE4268}">
+          <p14:sldIdLst>
+            <p14:sldId id="257"/>
+            <p14:sldId id="258"/>
+            <p14:sldId id="259"/>
+          </p14:sldIdLst>
+        </p14:section>
+        <p14:section name="SPlit" id="{3AA797B5-98FB-404B-BC87-8C2395722CAC}">
+          <p14:sldIdLst>
+            <p14:sldId id="260"/>
+            <p14:sldId id="261"/>
+            <p14:sldId id="262"/>
+            <p14:sldId id="263"/>
+          </p14:sldIdLst>
+        </p14:section>
+      </p14:sectionLst>
+    </p:ext>
     <p:ext uri="{EFAFB233-063F-42B5-8137-9DF3F51BA10A}">
       <p15:sldGuideLst xmlns:p15="http://schemas.microsoft.com/office/powerpoint/2012/main"/>
     </p:ext>
@@ -261,7 +290,7 @@
           <a:p>
             <a:fld id="{4D67F3BA-F70F-45CE-BCF5-96607FD0A9D2}" type="datetimeFigureOut">
               <a:rPr lang="en-US" smtClean="0"/>
-              <a:t>11/30/2021</a:t>
+              <a:t>12/1/2021</a:t>
             </a:fld>
             <a:endParaRPr lang="en-US"/>
           </a:p>
@@ -459,7 +488,7 @@
           <a:p>
             <a:fld id="{4D67F3BA-F70F-45CE-BCF5-96607FD0A9D2}" type="datetimeFigureOut">
               <a:rPr lang="en-US" smtClean="0"/>
-              <a:t>11/30/2021</a:t>
+              <a:t>12/1/2021</a:t>
             </a:fld>
             <a:endParaRPr lang="en-US"/>
           </a:p>
@@ -667,7 +696,7 @@
           <a:p>
             <a:fld id="{4D67F3BA-F70F-45CE-BCF5-96607FD0A9D2}" type="datetimeFigureOut">
               <a:rPr lang="en-US" smtClean="0"/>
-              <a:t>11/30/2021</a:t>
+              <a:t>12/1/2021</a:t>
             </a:fld>
             <a:endParaRPr lang="en-US"/>
           </a:p>
@@ -865,7 +894,7 @@
           <a:p>
             <a:fld id="{4D67F3BA-F70F-45CE-BCF5-96607FD0A9D2}" type="datetimeFigureOut">
               <a:rPr lang="en-US" smtClean="0"/>
-              <a:t>11/30/2021</a:t>
+              <a:t>12/1/2021</a:t>
             </a:fld>
             <a:endParaRPr lang="en-US"/>
           </a:p>
@@ -1140,7 +1169,7 @@
           <a:p>
             <a:fld id="{4D67F3BA-F70F-45CE-BCF5-96607FD0A9D2}" type="datetimeFigureOut">
               <a:rPr lang="en-US" smtClean="0"/>
-              <a:t>11/30/2021</a:t>
+              <a:t>12/1/2021</a:t>
             </a:fld>
             <a:endParaRPr lang="en-US"/>
           </a:p>
@@ -1405,7 +1434,7 @@
           <a:p>
             <a:fld id="{4D67F3BA-F70F-45CE-BCF5-96607FD0A9D2}" type="datetimeFigureOut">
               <a:rPr lang="en-US" smtClean="0"/>
-              <a:t>11/30/2021</a:t>
+              <a:t>12/1/2021</a:t>
             </a:fld>
             <a:endParaRPr lang="en-US"/>
           </a:p>
@@ -1817,7 +1846,7 @@
           <a:p>
             <a:fld id="{4D67F3BA-F70F-45CE-BCF5-96607FD0A9D2}" type="datetimeFigureOut">
               <a:rPr lang="en-US" smtClean="0"/>
-              <a:t>11/30/2021</a:t>
+              <a:t>12/1/2021</a:t>
             </a:fld>
             <a:endParaRPr lang="en-US"/>
           </a:p>
@@ -1958,7 +1987,7 @@
           <a:p>
             <a:fld id="{4D67F3BA-F70F-45CE-BCF5-96607FD0A9D2}" type="datetimeFigureOut">
               <a:rPr lang="en-US" smtClean="0"/>
-              <a:t>11/30/2021</a:t>
+              <a:t>12/1/2021</a:t>
             </a:fld>
             <a:endParaRPr lang="en-US"/>
           </a:p>
@@ -2071,7 +2100,7 @@
           <a:p>
             <a:fld id="{4D67F3BA-F70F-45CE-BCF5-96607FD0A9D2}" type="datetimeFigureOut">
               <a:rPr lang="en-US" smtClean="0"/>
-              <a:t>11/30/2021</a:t>
+              <a:t>12/1/2021</a:t>
             </a:fld>
             <a:endParaRPr lang="en-US"/>
           </a:p>
@@ -2382,7 +2411,7 @@
           <a:p>
             <a:fld id="{4D67F3BA-F70F-45CE-BCF5-96607FD0A9D2}" type="datetimeFigureOut">
               <a:rPr lang="en-US" smtClean="0"/>
-              <a:t>11/30/2021</a:t>
+              <a:t>12/1/2021</a:t>
             </a:fld>
             <a:endParaRPr lang="en-US"/>
           </a:p>
@@ -2670,7 +2699,7 @@
           <a:p>
             <a:fld id="{4D67F3BA-F70F-45CE-BCF5-96607FD0A9D2}" type="datetimeFigureOut">
               <a:rPr lang="en-US" smtClean="0"/>
-              <a:t>11/30/2021</a:t>
+              <a:t>12/1/2021</a:t>
             </a:fld>
             <a:endParaRPr lang="en-US"/>
           </a:p>
@@ -2911,7 +2940,7 @@
           <a:p>
             <a:fld id="{4D67F3BA-F70F-45CE-BCF5-96607FD0A9D2}" type="datetimeFigureOut">
               <a:rPr lang="en-US" smtClean="0"/>
-              <a:t>11/30/2021</a:t>
+              <a:t>12/1/2021</a:t>
             </a:fld>
             <a:endParaRPr lang="en-US"/>
           </a:p>
@@ -3479,7 +3508,7 @@
           <a:p>
             <a:r>
               <a:rPr lang="en-US" dirty="0"/>
-              <a:t>Concatenate </a:t>
+              <a:t>Concatenate function (joins text together) </a:t>
             </a:r>
           </a:p>
         </p:txBody>
@@ -3596,39 +3625,509 @@
           <a:bodyPr/>
           <a:lstStyle/>
           <a:p>
-            <a:endParaRPr lang="en-US"/>
-          </a:p>
-        </p:txBody>
-      </p:sp>
-      <p:sp>
-        <p:nvSpPr>
-          <p:cNvPr id="3" name="Content Placeholder 2">
-            <a:extLst>
-              <a:ext uri="{FF2B5EF4-FFF2-40B4-BE49-F238E27FC236}">
-                <a16:creationId xmlns:a16="http://schemas.microsoft.com/office/drawing/2014/main" id="{80C10AB7-6E8F-4230-A350-741347323397}"/>
-              </a:ext>
-            </a:extLst>
-          </p:cNvPr>
-          <p:cNvSpPr>
-            <a:spLocks noGrp="1"/>
-          </p:cNvSpPr>
+            <a:r>
+              <a:rPr lang="en-US" dirty="0" err="1"/>
+              <a:t>Concat</a:t>
+            </a:r>
+            <a:r>
+              <a:rPr lang="en-US" dirty="0"/>
+              <a:t> Operator (</a:t>
+            </a:r>
+            <a:r>
+              <a:rPr lang="en-US" dirty="0" err="1"/>
+              <a:t>concate</a:t>
+            </a:r>
+            <a:r>
+              <a:rPr lang="en-US" dirty="0"/>
+              <a:t> </a:t>
+            </a:r>
+            <a:r>
+              <a:rPr lang="en-US" dirty="0" err="1"/>
+              <a:t>ajacent</a:t>
+            </a:r>
+            <a:r>
+              <a:rPr lang="en-US" dirty="0"/>
+              <a:t> elements)</a:t>
+            </a:r>
+          </a:p>
+        </p:txBody>
+      </p:sp>
+      <p:pic>
+        <p:nvPicPr>
+          <p:cNvPr id="5" name="Content Placeholder 4">
+            <a:extLst>
+              <a:ext uri="{FF2B5EF4-FFF2-40B4-BE49-F238E27FC236}">
+                <a16:creationId xmlns:a16="http://schemas.microsoft.com/office/drawing/2014/main" id="{79996A8D-69E0-42C5-8B06-05DFA5ECF905}"/>
+              </a:ext>
+            </a:extLst>
+          </p:cNvPr>
+          <p:cNvPicPr>
+            <a:picLocks noGrp="1" noChangeAspect="1"/>
+          </p:cNvPicPr>
           <p:nvPr>
             <p:ph idx="1"/>
           </p:nvPr>
-        </p:nvSpPr>
-        <p:spPr/>
-        <p:txBody>
-          <a:bodyPr/>
-          <a:lstStyle/>
-          <a:p>
-            <a:endParaRPr lang="en-US"/>
-          </a:p>
-        </p:txBody>
-      </p:sp>
+        </p:nvPicPr>
+        <p:blipFill>
+          <a:blip r:embed="rId2"/>
+          <a:stretch>
+            <a:fillRect/>
+          </a:stretch>
+        </p:blipFill>
+        <p:spPr>
+          <a:xfrm>
+            <a:off x="838200" y="1869978"/>
+            <a:ext cx="10515600" cy="4262632"/>
+          </a:xfrm>
+        </p:spPr>
+      </p:pic>
     </p:spTree>
     <p:extLst>
       <p:ext uri="{BB962C8B-B14F-4D97-AF65-F5344CB8AC3E}">
         <p14:creationId xmlns:p14="http://schemas.microsoft.com/office/powerpoint/2010/main" val="3353021408"/>
+      </p:ext>
+    </p:extLst>
+  </p:cSld>
+  <p:clrMapOvr>
+    <a:masterClrMapping/>
+  </p:clrMapOvr>
+</p:sld>
+</file>
+
+<file path=ppt/slides/slide4.xml><?xml version="1.0" encoding="utf-8"?>
+<p:sld xmlns:a="http://schemas.openxmlformats.org/drawingml/2006/main" xmlns:r="http://schemas.openxmlformats.org/officeDocument/2006/relationships" xmlns:p="http://schemas.openxmlformats.org/presentationml/2006/main">
+  <p:cSld>
+    <p:spTree>
+      <p:nvGrpSpPr>
+        <p:cNvPr id="1" name=""/>
+        <p:cNvGrpSpPr/>
+        <p:nvPr/>
+      </p:nvGrpSpPr>
+      <p:grpSpPr>
+        <a:xfrm>
+          <a:off x="0" y="0"/>
+          <a:ext cx="0" cy="0"/>
+          <a:chOff x="0" y="0"/>
+          <a:chExt cx="0" cy="0"/>
+        </a:xfrm>
+      </p:grpSpPr>
+      <p:sp>
+        <p:nvSpPr>
+          <p:cNvPr id="2" name="Title 1">
+            <a:extLst>
+              <a:ext uri="{FF2B5EF4-FFF2-40B4-BE49-F238E27FC236}">
+                <a16:creationId xmlns:a16="http://schemas.microsoft.com/office/drawing/2014/main" id="{7FF00C02-6F59-49BB-9621-7E2B4699630B}"/>
+              </a:ext>
+            </a:extLst>
+          </p:cNvPr>
+          <p:cNvSpPr>
+            <a:spLocks noGrp="1"/>
+          </p:cNvSpPr>
+          <p:nvPr>
+            <p:ph type="title"/>
+          </p:nvPr>
+        </p:nvSpPr>
+        <p:spPr/>
+        <p:txBody>
+          <a:bodyPr/>
+          <a:lstStyle/>
+          <a:p>
+            <a:r>
+              <a:rPr lang="en-US" dirty="0"/>
+              <a:t>TEXTJOIN (advanced options in combing cells)</a:t>
+            </a:r>
+          </a:p>
+        </p:txBody>
+      </p:sp>
+      <p:pic>
+        <p:nvPicPr>
+          <p:cNvPr id="5" name="Content Placeholder 4">
+            <a:extLst>
+              <a:ext uri="{FF2B5EF4-FFF2-40B4-BE49-F238E27FC236}">
+                <a16:creationId xmlns:a16="http://schemas.microsoft.com/office/drawing/2014/main" id="{0B26E581-EA62-45B8-9347-9A45B9356BF8}"/>
+              </a:ext>
+            </a:extLst>
+          </p:cNvPr>
+          <p:cNvPicPr>
+            <a:picLocks noGrp="1" noChangeAspect="1"/>
+          </p:cNvPicPr>
+          <p:nvPr>
+            <p:ph idx="1"/>
+          </p:nvPr>
+        </p:nvPicPr>
+        <p:blipFill>
+          <a:blip r:embed="rId2"/>
+          <a:stretch>
+            <a:fillRect/>
+          </a:stretch>
+        </p:blipFill>
+        <p:spPr>
+          <a:xfrm>
+            <a:off x="838200" y="2539348"/>
+            <a:ext cx="10515600" cy="2923892"/>
+          </a:xfrm>
+        </p:spPr>
+      </p:pic>
+    </p:spTree>
+    <p:extLst>
+      <p:ext uri="{BB962C8B-B14F-4D97-AF65-F5344CB8AC3E}">
+        <p14:creationId xmlns:p14="http://schemas.microsoft.com/office/powerpoint/2010/main" val="3043332130"/>
+      </p:ext>
+    </p:extLst>
+  </p:cSld>
+  <p:clrMapOvr>
+    <a:masterClrMapping/>
+  </p:clrMapOvr>
+</p:sld>
+</file>
+
+<file path=ppt/slides/slide5.xml><?xml version="1.0" encoding="utf-8"?>
+<p:sld xmlns:a="http://schemas.openxmlformats.org/drawingml/2006/main" xmlns:r="http://schemas.openxmlformats.org/officeDocument/2006/relationships" xmlns:p="http://schemas.openxmlformats.org/presentationml/2006/main">
+  <p:cSld>
+    <p:spTree>
+      <p:nvGrpSpPr>
+        <p:cNvPr id="1" name=""/>
+        <p:cNvGrpSpPr/>
+        <p:nvPr/>
+      </p:nvGrpSpPr>
+      <p:grpSpPr>
+        <a:xfrm>
+          <a:off x="0" y="0"/>
+          <a:ext cx="0" cy="0"/>
+          <a:chOff x="0" y="0"/>
+          <a:chExt cx="0" cy="0"/>
+        </a:xfrm>
+      </p:grpSpPr>
+      <p:sp>
+        <p:nvSpPr>
+          <p:cNvPr id="2" name="Title 1">
+            <a:extLst>
+              <a:ext uri="{FF2B5EF4-FFF2-40B4-BE49-F238E27FC236}">
+                <a16:creationId xmlns:a16="http://schemas.microsoft.com/office/drawing/2014/main" id="{FBD16D73-EF6A-4038-BA8E-3B26BB8A2D21}"/>
+              </a:ext>
+            </a:extLst>
+          </p:cNvPr>
+          <p:cNvSpPr>
+            <a:spLocks noGrp="1"/>
+          </p:cNvSpPr>
+          <p:nvPr>
+            <p:ph type="title"/>
+          </p:nvPr>
+        </p:nvSpPr>
+        <p:spPr/>
+        <p:txBody>
+          <a:bodyPr/>
+          <a:lstStyle/>
+          <a:p>
+            <a:r>
+              <a:rPr lang="en-US" dirty="0"/>
+              <a:t>LEFT(Returns the leftmost characters from a text value)</a:t>
+            </a:r>
+          </a:p>
+        </p:txBody>
+      </p:sp>
+      <p:pic>
+        <p:nvPicPr>
+          <p:cNvPr id="5" name="Content Placeholder 4">
+            <a:extLst>
+              <a:ext uri="{FF2B5EF4-FFF2-40B4-BE49-F238E27FC236}">
+                <a16:creationId xmlns:a16="http://schemas.microsoft.com/office/drawing/2014/main" id="{A527CF0D-C760-4F24-AD7B-F3E974AA864D}"/>
+              </a:ext>
+            </a:extLst>
+          </p:cNvPr>
+          <p:cNvPicPr>
+            <a:picLocks noGrp="1" noChangeAspect="1"/>
+          </p:cNvPicPr>
+          <p:nvPr>
+            <p:ph idx="1"/>
+          </p:nvPr>
+        </p:nvPicPr>
+        <p:blipFill>
+          <a:blip r:embed="rId2"/>
+          <a:stretch>
+            <a:fillRect/>
+          </a:stretch>
+        </p:blipFill>
+        <p:spPr>
+          <a:xfrm>
+            <a:off x="838200" y="2295393"/>
+            <a:ext cx="10515600" cy="3411801"/>
+          </a:xfrm>
+        </p:spPr>
+      </p:pic>
+    </p:spTree>
+    <p:extLst>
+      <p:ext uri="{BB962C8B-B14F-4D97-AF65-F5344CB8AC3E}">
+        <p14:creationId xmlns:p14="http://schemas.microsoft.com/office/powerpoint/2010/main" val="3231921329"/>
+      </p:ext>
+    </p:extLst>
+  </p:cSld>
+  <p:clrMapOvr>
+    <a:masterClrMapping/>
+  </p:clrMapOvr>
+</p:sld>
+</file>
+
+<file path=ppt/slides/slide6.xml><?xml version="1.0" encoding="utf-8"?>
+<p:sld xmlns:a="http://schemas.openxmlformats.org/drawingml/2006/main" xmlns:r="http://schemas.openxmlformats.org/officeDocument/2006/relationships" xmlns:p="http://schemas.openxmlformats.org/presentationml/2006/main">
+  <p:cSld>
+    <p:spTree>
+      <p:nvGrpSpPr>
+        <p:cNvPr id="1" name=""/>
+        <p:cNvGrpSpPr/>
+        <p:nvPr/>
+      </p:nvGrpSpPr>
+      <p:grpSpPr>
+        <a:xfrm>
+          <a:off x="0" y="0"/>
+          <a:ext cx="0" cy="0"/>
+          <a:chOff x="0" y="0"/>
+          <a:chExt cx="0" cy="0"/>
+        </a:xfrm>
+      </p:grpSpPr>
+      <p:sp>
+        <p:nvSpPr>
+          <p:cNvPr id="2" name="Title 1">
+            <a:extLst>
+              <a:ext uri="{FF2B5EF4-FFF2-40B4-BE49-F238E27FC236}">
+                <a16:creationId xmlns:a16="http://schemas.microsoft.com/office/drawing/2014/main" id="{DBB65D91-7996-44D8-A11F-89094715F8BD}"/>
+              </a:ext>
+            </a:extLst>
+          </p:cNvPr>
+          <p:cNvSpPr>
+            <a:spLocks noGrp="1"/>
+          </p:cNvSpPr>
+          <p:nvPr>
+            <p:ph type="title"/>
+          </p:nvPr>
+        </p:nvSpPr>
+        <p:spPr/>
+        <p:txBody>
+          <a:bodyPr/>
+          <a:lstStyle/>
+          <a:p>
+            <a:r>
+              <a:rPr lang="en-US" dirty="0"/>
+              <a:t>MID(returns a specific number of characters starting at a </a:t>
+            </a:r>
+            <a:r>
+              <a:rPr lang="en-US" dirty="0" err="1"/>
+              <a:t>specifiedposition</a:t>
+            </a:r>
+            <a:r>
+              <a:rPr lang="en-US" dirty="0"/>
+              <a:t>)</a:t>
+            </a:r>
+          </a:p>
+        </p:txBody>
+      </p:sp>
+      <p:pic>
+        <p:nvPicPr>
+          <p:cNvPr id="5" name="Content Placeholder 4">
+            <a:extLst>
+              <a:ext uri="{FF2B5EF4-FFF2-40B4-BE49-F238E27FC236}">
+                <a16:creationId xmlns:a16="http://schemas.microsoft.com/office/drawing/2014/main" id="{8ECFD67B-281A-4802-AB92-1166236DF1BF}"/>
+              </a:ext>
+            </a:extLst>
+          </p:cNvPr>
+          <p:cNvPicPr>
+            <a:picLocks noGrp="1" noChangeAspect="1"/>
+          </p:cNvPicPr>
+          <p:nvPr>
+            <p:ph idx="1"/>
+          </p:nvPr>
+        </p:nvPicPr>
+        <p:blipFill>
+          <a:blip r:embed="rId2"/>
+          <a:stretch>
+            <a:fillRect/>
+          </a:stretch>
+        </p:blipFill>
+        <p:spPr>
+          <a:xfrm>
+            <a:off x="838200" y="2416704"/>
+            <a:ext cx="10515600" cy="3169179"/>
+          </a:xfrm>
+        </p:spPr>
+      </p:pic>
+    </p:spTree>
+    <p:extLst>
+      <p:ext uri="{BB962C8B-B14F-4D97-AF65-F5344CB8AC3E}">
+        <p14:creationId xmlns:p14="http://schemas.microsoft.com/office/powerpoint/2010/main" val="219502205"/>
+      </p:ext>
+    </p:extLst>
+  </p:cSld>
+  <p:clrMapOvr>
+    <a:masterClrMapping/>
+  </p:clrMapOvr>
+</p:sld>
+</file>
+
+<file path=ppt/slides/slide7.xml><?xml version="1.0" encoding="utf-8"?>
+<p:sld xmlns:a="http://schemas.openxmlformats.org/drawingml/2006/main" xmlns:r="http://schemas.openxmlformats.org/officeDocument/2006/relationships" xmlns:p="http://schemas.openxmlformats.org/presentationml/2006/main">
+  <p:cSld>
+    <p:spTree>
+      <p:nvGrpSpPr>
+        <p:cNvPr id="1" name=""/>
+        <p:cNvGrpSpPr/>
+        <p:nvPr/>
+      </p:nvGrpSpPr>
+      <p:grpSpPr>
+        <a:xfrm>
+          <a:off x="0" y="0"/>
+          <a:ext cx="0" cy="0"/>
+          <a:chOff x="0" y="0"/>
+          <a:chExt cx="0" cy="0"/>
+        </a:xfrm>
+      </p:grpSpPr>
+      <p:sp>
+        <p:nvSpPr>
+          <p:cNvPr id="2" name="Title 1">
+            <a:extLst>
+              <a:ext uri="{FF2B5EF4-FFF2-40B4-BE49-F238E27FC236}">
+                <a16:creationId xmlns:a16="http://schemas.microsoft.com/office/drawing/2014/main" id="{EE55AF69-1B30-42E0-8F5A-E030558C9EB4}"/>
+              </a:ext>
+            </a:extLst>
+          </p:cNvPr>
+          <p:cNvSpPr>
+            <a:spLocks noGrp="1"/>
+          </p:cNvSpPr>
+          <p:nvPr>
+            <p:ph type="title"/>
+          </p:nvPr>
+        </p:nvSpPr>
+        <p:spPr/>
+        <p:txBody>
+          <a:bodyPr/>
+          <a:lstStyle/>
+          <a:p>
+            <a:r>
+              <a:rPr lang="en-US" dirty="0"/>
+              <a:t>Find (find one text value within another text value)</a:t>
+            </a:r>
+          </a:p>
+        </p:txBody>
+      </p:sp>
+      <p:pic>
+        <p:nvPicPr>
+          <p:cNvPr id="5" name="Content Placeholder 4">
+            <a:extLst>
+              <a:ext uri="{FF2B5EF4-FFF2-40B4-BE49-F238E27FC236}">
+                <a16:creationId xmlns:a16="http://schemas.microsoft.com/office/drawing/2014/main" id="{9DAEC06C-3524-4B40-AFDD-139558BA9E25}"/>
+              </a:ext>
+            </a:extLst>
+          </p:cNvPr>
+          <p:cNvPicPr>
+            <a:picLocks noGrp="1" noChangeAspect="1"/>
+          </p:cNvPicPr>
+          <p:nvPr>
+            <p:ph idx="1"/>
+          </p:nvPr>
+        </p:nvPicPr>
+        <p:blipFill>
+          <a:blip r:embed="rId2"/>
+          <a:stretch>
+            <a:fillRect/>
+          </a:stretch>
+        </p:blipFill>
+        <p:spPr>
+          <a:xfrm>
+            <a:off x="838200" y="2195126"/>
+            <a:ext cx="10515600" cy="3612335"/>
+          </a:xfrm>
+        </p:spPr>
+      </p:pic>
+    </p:spTree>
+    <p:extLst>
+      <p:ext uri="{BB962C8B-B14F-4D97-AF65-F5344CB8AC3E}">
+        <p14:creationId xmlns:p14="http://schemas.microsoft.com/office/powerpoint/2010/main" val="3325932816"/>
+      </p:ext>
+    </p:extLst>
+  </p:cSld>
+  <p:clrMapOvr>
+    <a:masterClrMapping/>
+  </p:clrMapOvr>
+</p:sld>
+</file>
+
+<file path=ppt/slides/slide8.xml><?xml version="1.0" encoding="utf-8"?>
+<p:sld xmlns:a="http://schemas.openxmlformats.org/drawingml/2006/main" xmlns:r="http://schemas.openxmlformats.org/officeDocument/2006/relationships" xmlns:p="http://schemas.openxmlformats.org/presentationml/2006/main">
+  <p:cSld>
+    <p:spTree>
+      <p:nvGrpSpPr>
+        <p:cNvPr id="1" name=""/>
+        <p:cNvGrpSpPr/>
+        <p:nvPr/>
+      </p:nvGrpSpPr>
+      <p:grpSpPr>
+        <a:xfrm>
+          <a:off x="0" y="0"/>
+          <a:ext cx="0" cy="0"/>
+          <a:chOff x="0" y="0"/>
+          <a:chExt cx="0" cy="0"/>
+        </a:xfrm>
+      </p:grpSpPr>
+      <p:sp>
+        <p:nvSpPr>
+          <p:cNvPr id="2" name="Title 1">
+            <a:extLst>
+              <a:ext uri="{FF2B5EF4-FFF2-40B4-BE49-F238E27FC236}">
+                <a16:creationId xmlns:a16="http://schemas.microsoft.com/office/drawing/2014/main" id="{7533A508-0014-413A-975C-BAEA12607EB3}"/>
+              </a:ext>
+            </a:extLst>
+          </p:cNvPr>
+          <p:cNvSpPr>
+            <a:spLocks noGrp="1"/>
+          </p:cNvSpPr>
+          <p:nvPr>
+            <p:ph type="title"/>
+          </p:nvPr>
+        </p:nvSpPr>
+        <p:spPr/>
+        <p:txBody>
+          <a:bodyPr/>
+          <a:lstStyle/>
+          <a:p>
+            <a:r>
+              <a:rPr lang="en-US" dirty="0"/>
+              <a:t>LEN (Return the number of characters in a text string)</a:t>
+            </a:r>
+          </a:p>
+        </p:txBody>
+      </p:sp>
+      <p:pic>
+        <p:nvPicPr>
+          <p:cNvPr id="5" name="Content Placeholder 4">
+            <a:extLst>
+              <a:ext uri="{FF2B5EF4-FFF2-40B4-BE49-F238E27FC236}">
+                <a16:creationId xmlns:a16="http://schemas.microsoft.com/office/drawing/2014/main" id="{534326AF-8AB8-4F61-9DAA-515953AC4131}"/>
+              </a:ext>
+            </a:extLst>
+          </p:cNvPr>
+          <p:cNvPicPr>
+            <a:picLocks noGrp="1" noChangeAspect="1"/>
+          </p:cNvPicPr>
+          <p:nvPr>
+            <p:ph idx="1"/>
+          </p:nvPr>
+        </p:nvPicPr>
+        <p:blipFill>
+          <a:blip r:embed="rId2"/>
+          <a:stretch>
+            <a:fillRect/>
+          </a:stretch>
+        </p:blipFill>
+        <p:spPr>
+          <a:xfrm>
+            <a:off x="838200" y="2689165"/>
+            <a:ext cx="10515600" cy="2624258"/>
+          </a:xfrm>
+        </p:spPr>
+      </p:pic>
+    </p:spTree>
+    <p:extLst>
+      <p:ext uri="{BB962C8B-B14F-4D97-AF65-F5344CB8AC3E}">
+        <p14:creationId xmlns:p14="http://schemas.microsoft.com/office/powerpoint/2010/main" val="1793487878"/>
       </p:ext>
     </p:extLst>
   </p:cSld>

--- a/ExcelFundamentalsfordataanalysis.pptx
+++ b/ExcelFundamentalsfordataanalysis.pptx
@@ -13,6 +13,18 @@
     <p:sldId id="261" r:id="rId7"/>
     <p:sldId id="262" r:id="rId8"/>
     <p:sldId id="263" r:id="rId9"/>
+    <p:sldId id="264" r:id="rId10"/>
+    <p:sldId id="265" r:id="rId11"/>
+    <p:sldId id="266" r:id="rId12"/>
+    <p:sldId id="267" r:id="rId13"/>
+    <p:sldId id="268" r:id="rId14"/>
+    <p:sldId id="269" r:id="rId15"/>
+    <p:sldId id="271" r:id="rId16"/>
+    <p:sldId id="270" r:id="rId17"/>
+    <p:sldId id="272" r:id="rId18"/>
+    <p:sldId id="273" r:id="rId19"/>
+    <p:sldId id="274" r:id="rId20"/>
+    <p:sldId id="275" r:id="rId21"/>
   </p:sldIdLst>
   <p:sldSz cx="12192000" cy="6858000"/>
   <p:notesSz cx="6858000" cy="9144000"/>
@@ -134,6 +146,30 @@
             <p14:sldId id="263"/>
           </p14:sldIdLst>
         </p14:section>
+        <p14:section name="cleanning data and chaning case" id="{F69A512B-8783-4AA1-A4DF-F14F0A9A0E6D}">
+          <p14:sldIdLst>
+            <p14:sldId id="264"/>
+            <p14:sldId id="265"/>
+            <p14:sldId id="266"/>
+            <p14:sldId id="267"/>
+          </p14:sldIdLst>
+        </p14:section>
+        <p14:section name="Text Number convertion" id="{6FB35C37-0262-4F00-B1FE-44BEC0CDE870}">
+          <p14:sldIdLst>
+            <p14:sldId id="268"/>
+            <p14:sldId id="269"/>
+            <p14:sldId id="271"/>
+            <p14:sldId id="270"/>
+          </p14:sldIdLst>
+        </p14:section>
+        <p14:section name="WORKDAY" id="{19FB0E9C-143B-4EFD-B511-DDBC19321303}">
+          <p14:sldIdLst>
+            <p14:sldId id="272"/>
+            <p14:sldId id="273"/>
+            <p14:sldId id="274"/>
+            <p14:sldId id="275"/>
+          </p14:sldIdLst>
+        </p14:section>
       </p14:sectionLst>
     </p:ext>
     <p:ext uri="{EFAFB233-063F-42B5-8137-9DF3F51BA10A}">
@@ -290,7 +326,7 @@
           <a:p>
             <a:fld id="{4D67F3BA-F70F-45CE-BCF5-96607FD0A9D2}" type="datetimeFigureOut">
               <a:rPr lang="en-US" smtClean="0"/>
-              <a:t>12/1/2021</a:t>
+              <a:t>12/6/2021</a:t>
             </a:fld>
             <a:endParaRPr lang="en-US"/>
           </a:p>
@@ -488,7 +524,7 @@
           <a:p>
             <a:fld id="{4D67F3BA-F70F-45CE-BCF5-96607FD0A9D2}" type="datetimeFigureOut">
               <a:rPr lang="en-US" smtClean="0"/>
-              <a:t>12/1/2021</a:t>
+              <a:t>12/6/2021</a:t>
             </a:fld>
             <a:endParaRPr lang="en-US"/>
           </a:p>
@@ -696,7 +732,7 @@
           <a:p>
             <a:fld id="{4D67F3BA-F70F-45CE-BCF5-96607FD0A9D2}" type="datetimeFigureOut">
               <a:rPr lang="en-US" smtClean="0"/>
-              <a:t>12/1/2021</a:t>
+              <a:t>12/6/2021</a:t>
             </a:fld>
             <a:endParaRPr lang="en-US"/>
           </a:p>
@@ -894,7 +930,7 @@
           <a:p>
             <a:fld id="{4D67F3BA-F70F-45CE-BCF5-96607FD0A9D2}" type="datetimeFigureOut">
               <a:rPr lang="en-US" smtClean="0"/>
-              <a:t>12/1/2021</a:t>
+              <a:t>12/6/2021</a:t>
             </a:fld>
             <a:endParaRPr lang="en-US"/>
           </a:p>
@@ -1169,7 +1205,7 @@
           <a:p>
             <a:fld id="{4D67F3BA-F70F-45CE-BCF5-96607FD0A9D2}" type="datetimeFigureOut">
               <a:rPr lang="en-US" smtClean="0"/>
-              <a:t>12/1/2021</a:t>
+              <a:t>12/6/2021</a:t>
             </a:fld>
             <a:endParaRPr lang="en-US"/>
           </a:p>
@@ -1434,7 +1470,7 @@
           <a:p>
             <a:fld id="{4D67F3BA-F70F-45CE-BCF5-96607FD0A9D2}" type="datetimeFigureOut">
               <a:rPr lang="en-US" smtClean="0"/>
-              <a:t>12/1/2021</a:t>
+              <a:t>12/6/2021</a:t>
             </a:fld>
             <a:endParaRPr lang="en-US"/>
           </a:p>
@@ -1846,7 +1882,7 @@
           <a:p>
             <a:fld id="{4D67F3BA-F70F-45CE-BCF5-96607FD0A9D2}" type="datetimeFigureOut">
               <a:rPr lang="en-US" smtClean="0"/>
-              <a:t>12/1/2021</a:t>
+              <a:t>12/6/2021</a:t>
             </a:fld>
             <a:endParaRPr lang="en-US"/>
           </a:p>
@@ -1987,7 +2023,7 @@
           <a:p>
             <a:fld id="{4D67F3BA-F70F-45CE-BCF5-96607FD0A9D2}" type="datetimeFigureOut">
               <a:rPr lang="en-US" smtClean="0"/>
-              <a:t>12/1/2021</a:t>
+              <a:t>12/6/2021</a:t>
             </a:fld>
             <a:endParaRPr lang="en-US"/>
           </a:p>
@@ -2100,7 +2136,7 @@
           <a:p>
             <a:fld id="{4D67F3BA-F70F-45CE-BCF5-96607FD0A9D2}" type="datetimeFigureOut">
               <a:rPr lang="en-US" smtClean="0"/>
-              <a:t>12/1/2021</a:t>
+              <a:t>12/6/2021</a:t>
             </a:fld>
             <a:endParaRPr lang="en-US"/>
           </a:p>
@@ -2411,7 +2447,7 @@
           <a:p>
             <a:fld id="{4D67F3BA-F70F-45CE-BCF5-96607FD0A9D2}" type="datetimeFigureOut">
               <a:rPr lang="en-US" smtClean="0"/>
-              <a:t>12/1/2021</a:t>
+              <a:t>12/6/2021</a:t>
             </a:fld>
             <a:endParaRPr lang="en-US"/>
           </a:p>
@@ -2699,7 +2735,7 @@
           <a:p>
             <a:fld id="{4D67F3BA-F70F-45CE-BCF5-96607FD0A9D2}" type="datetimeFigureOut">
               <a:rPr lang="en-US" smtClean="0"/>
-              <a:t>12/1/2021</a:t>
+              <a:t>12/6/2021</a:t>
             </a:fld>
             <a:endParaRPr lang="en-US"/>
           </a:p>
@@ -2940,7 +2976,7 @@
           <a:p>
             <a:fld id="{4D67F3BA-F70F-45CE-BCF5-96607FD0A9D2}" type="datetimeFigureOut">
               <a:rPr lang="en-US" smtClean="0"/>
-              <a:t>12/1/2021</a:t>
+              <a:t>12/6/2021</a:t>
             </a:fld>
             <a:endParaRPr lang="en-US"/>
           </a:p>
@@ -3468,6 +3504,1464 @@
 </p:sld>
 </file>
 
+<file path=ppt/slides/slide10.xml><?xml version="1.0" encoding="utf-8"?>
+<p:sld xmlns:a="http://schemas.openxmlformats.org/drawingml/2006/main" xmlns:r="http://schemas.openxmlformats.org/officeDocument/2006/relationships" xmlns:p="http://schemas.openxmlformats.org/presentationml/2006/main">
+  <p:cSld>
+    <p:spTree>
+      <p:nvGrpSpPr>
+        <p:cNvPr id="1" name=""/>
+        <p:cNvGrpSpPr/>
+        <p:nvPr/>
+      </p:nvGrpSpPr>
+      <p:grpSpPr>
+        <a:xfrm>
+          <a:off x="0" y="0"/>
+          <a:ext cx="0" cy="0"/>
+          <a:chOff x="0" y="0"/>
+          <a:chExt cx="0" cy="0"/>
+        </a:xfrm>
+      </p:grpSpPr>
+      <p:sp>
+        <p:nvSpPr>
+          <p:cNvPr id="2" name="Title 1">
+            <a:extLst>
+              <a:ext uri="{FF2B5EF4-FFF2-40B4-BE49-F238E27FC236}">
+                <a16:creationId xmlns:a16="http://schemas.microsoft.com/office/drawing/2014/main" id="{7545FFC5-54E4-4C6E-90AA-0E994D069FFC}"/>
+              </a:ext>
+            </a:extLst>
+          </p:cNvPr>
+          <p:cNvSpPr>
+            <a:spLocks noGrp="1"/>
+          </p:cNvSpPr>
+          <p:nvPr>
+            <p:ph type="title"/>
+          </p:nvPr>
+        </p:nvSpPr>
+        <p:spPr/>
+        <p:txBody>
+          <a:bodyPr/>
+          <a:lstStyle/>
+          <a:p>
+            <a:r>
+              <a:rPr lang="en-US" dirty="0"/>
+              <a:t>Trim (removes extra spaces from text)</a:t>
+            </a:r>
+          </a:p>
+        </p:txBody>
+      </p:sp>
+      <p:pic>
+        <p:nvPicPr>
+          <p:cNvPr id="5" name="Content Placeholder 4">
+            <a:extLst>
+              <a:ext uri="{FF2B5EF4-FFF2-40B4-BE49-F238E27FC236}">
+                <a16:creationId xmlns:a16="http://schemas.microsoft.com/office/drawing/2014/main" id="{D5B63E38-1A3F-4D3D-9E34-C2AC0DB66D0F}"/>
+              </a:ext>
+            </a:extLst>
+          </p:cNvPr>
+          <p:cNvPicPr>
+            <a:picLocks noGrp="1" noChangeAspect="1"/>
+          </p:cNvPicPr>
+          <p:nvPr>
+            <p:ph idx="1"/>
+          </p:nvPr>
+        </p:nvPicPr>
+        <p:blipFill>
+          <a:blip r:embed="rId2"/>
+          <a:stretch>
+            <a:fillRect/>
+          </a:stretch>
+        </p:blipFill>
+        <p:spPr>
+          <a:xfrm>
+            <a:off x="838200" y="2390033"/>
+            <a:ext cx="10515600" cy="3222522"/>
+          </a:xfrm>
+        </p:spPr>
+      </p:pic>
+    </p:spTree>
+    <p:extLst>
+      <p:ext uri="{BB962C8B-B14F-4D97-AF65-F5344CB8AC3E}">
+        <p14:creationId xmlns:p14="http://schemas.microsoft.com/office/powerpoint/2010/main" val="2131050549"/>
+      </p:ext>
+    </p:extLst>
+  </p:cSld>
+  <p:clrMapOvr>
+    <a:masterClrMapping/>
+  </p:clrMapOvr>
+</p:sld>
+</file>
+
+<file path=ppt/slides/slide11.xml><?xml version="1.0" encoding="utf-8"?>
+<p:sld xmlns:a="http://schemas.openxmlformats.org/drawingml/2006/main" xmlns:r="http://schemas.openxmlformats.org/officeDocument/2006/relationships" xmlns:p="http://schemas.openxmlformats.org/presentationml/2006/main">
+  <p:cSld>
+    <p:spTree>
+      <p:nvGrpSpPr>
+        <p:cNvPr id="1" name=""/>
+        <p:cNvGrpSpPr/>
+        <p:nvPr/>
+      </p:nvGrpSpPr>
+      <p:grpSpPr>
+        <a:xfrm>
+          <a:off x="0" y="0"/>
+          <a:ext cx="0" cy="0"/>
+          <a:chOff x="0" y="0"/>
+          <a:chExt cx="0" cy="0"/>
+        </a:xfrm>
+      </p:grpSpPr>
+      <p:sp>
+        <p:nvSpPr>
+          <p:cNvPr id="2" name="Title 1">
+            <a:extLst>
+              <a:ext uri="{FF2B5EF4-FFF2-40B4-BE49-F238E27FC236}">
+                <a16:creationId xmlns:a16="http://schemas.microsoft.com/office/drawing/2014/main" id="{AF275275-36EB-4216-B072-FA01A11FD6F8}"/>
+              </a:ext>
+            </a:extLst>
+          </p:cNvPr>
+          <p:cNvSpPr>
+            <a:spLocks noGrp="1"/>
+          </p:cNvSpPr>
+          <p:nvPr>
+            <p:ph type="title"/>
+          </p:nvPr>
+        </p:nvSpPr>
+        <p:spPr>
+          <a:xfrm>
+            <a:off x="655962" y="-146758"/>
+            <a:ext cx="10515600" cy="1325563"/>
+          </a:xfrm>
+        </p:spPr>
+        <p:txBody>
+          <a:bodyPr/>
+          <a:lstStyle/>
+          <a:p>
+            <a:r>
+              <a:rPr lang="en-US" dirty="0"/>
+              <a:t>Change case</a:t>
+            </a:r>
+          </a:p>
+        </p:txBody>
+      </p:sp>
+      <p:sp>
+        <p:nvSpPr>
+          <p:cNvPr id="3" name="Content Placeholder 2">
+            <a:extLst>
+              <a:ext uri="{FF2B5EF4-FFF2-40B4-BE49-F238E27FC236}">
+                <a16:creationId xmlns:a16="http://schemas.microsoft.com/office/drawing/2014/main" id="{BC368C98-70D1-4CBC-A25B-512C49E87ACD}"/>
+              </a:ext>
+            </a:extLst>
+          </p:cNvPr>
+          <p:cNvSpPr>
+            <a:spLocks noGrp="1"/>
+          </p:cNvSpPr>
+          <p:nvPr>
+            <p:ph idx="1"/>
+          </p:nvPr>
+        </p:nvSpPr>
+        <p:spPr>
+          <a:xfrm>
+            <a:off x="473725" y="1178805"/>
+            <a:ext cx="10880075" cy="4998158"/>
+          </a:xfrm>
+        </p:spPr>
+        <p:txBody>
+          <a:bodyPr/>
+          <a:lstStyle/>
+          <a:p>
+            <a:r>
+              <a:rPr lang="en-US" dirty="0"/>
+              <a:t>UPPER</a:t>
+            </a:r>
+          </a:p>
+          <a:p>
+            <a:r>
+              <a:rPr lang="en-US" dirty="0"/>
+              <a:t>LOWER</a:t>
+            </a:r>
+          </a:p>
+          <a:p>
+            <a:r>
+              <a:rPr lang="en-US" dirty="0"/>
+              <a:t>PROPER(Capitalizes only the first letter of each word)</a:t>
+            </a:r>
+          </a:p>
+          <a:p>
+            <a:endParaRPr lang="en-US" dirty="0"/>
+          </a:p>
+        </p:txBody>
+      </p:sp>
+      <p:pic>
+        <p:nvPicPr>
+          <p:cNvPr id="5" name="Picture 4">
+            <a:extLst>
+              <a:ext uri="{FF2B5EF4-FFF2-40B4-BE49-F238E27FC236}">
+                <a16:creationId xmlns:a16="http://schemas.microsoft.com/office/drawing/2014/main" id="{71781DA0-0368-4500-B3FB-D7B07E0E296C}"/>
+              </a:ext>
+            </a:extLst>
+          </p:cNvPr>
+          <p:cNvPicPr>
+            <a:picLocks noChangeAspect="1"/>
+          </p:cNvPicPr>
+          <p:nvPr/>
+        </p:nvPicPr>
+        <p:blipFill>
+          <a:blip r:embed="rId2"/>
+          <a:stretch>
+            <a:fillRect/>
+          </a:stretch>
+        </p:blipFill>
+        <p:spPr>
+          <a:xfrm>
+            <a:off x="838200" y="2984515"/>
+            <a:ext cx="10660655" cy="3662510"/>
+          </a:xfrm>
+          <a:prstGeom prst="rect">
+            <a:avLst/>
+          </a:prstGeom>
+        </p:spPr>
+      </p:pic>
+    </p:spTree>
+    <p:extLst>
+      <p:ext uri="{BB962C8B-B14F-4D97-AF65-F5344CB8AC3E}">
+        <p14:creationId xmlns:p14="http://schemas.microsoft.com/office/powerpoint/2010/main" val="382922754"/>
+      </p:ext>
+    </p:extLst>
+  </p:cSld>
+  <p:clrMapOvr>
+    <a:masterClrMapping/>
+  </p:clrMapOvr>
+</p:sld>
+</file>
+
+<file path=ppt/slides/slide12.xml><?xml version="1.0" encoding="utf-8"?>
+<p:sld xmlns:a="http://schemas.openxmlformats.org/drawingml/2006/main" xmlns:r="http://schemas.openxmlformats.org/officeDocument/2006/relationships" xmlns:p="http://schemas.openxmlformats.org/presentationml/2006/main">
+  <p:cSld>
+    <p:spTree>
+      <p:nvGrpSpPr>
+        <p:cNvPr id="1" name=""/>
+        <p:cNvGrpSpPr/>
+        <p:nvPr/>
+      </p:nvGrpSpPr>
+      <p:grpSpPr>
+        <a:xfrm>
+          <a:off x="0" y="0"/>
+          <a:ext cx="0" cy="0"/>
+          <a:chOff x="0" y="0"/>
+          <a:chExt cx="0" cy="0"/>
+        </a:xfrm>
+      </p:grpSpPr>
+      <p:sp>
+        <p:nvSpPr>
+          <p:cNvPr id="2" name="Title 1">
+            <a:extLst>
+              <a:ext uri="{FF2B5EF4-FFF2-40B4-BE49-F238E27FC236}">
+                <a16:creationId xmlns:a16="http://schemas.microsoft.com/office/drawing/2014/main" id="{65D54432-6A6B-4C50-A5FB-9D608C43A9FF}"/>
+              </a:ext>
+            </a:extLst>
+          </p:cNvPr>
+          <p:cNvSpPr>
+            <a:spLocks noGrp="1"/>
+          </p:cNvSpPr>
+          <p:nvPr>
+            <p:ph type="title"/>
+          </p:nvPr>
+        </p:nvSpPr>
+        <p:spPr/>
+        <p:txBody>
+          <a:bodyPr/>
+          <a:lstStyle/>
+          <a:p>
+            <a:r>
+              <a:rPr lang="en-US" dirty="0"/>
+              <a:t>Substitute </a:t>
+            </a:r>
+          </a:p>
+        </p:txBody>
+      </p:sp>
+      <p:sp>
+        <p:nvSpPr>
+          <p:cNvPr id="3" name="Content Placeholder 2">
+            <a:extLst>
+              <a:ext uri="{FF2B5EF4-FFF2-40B4-BE49-F238E27FC236}">
+                <a16:creationId xmlns:a16="http://schemas.microsoft.com/office/drawing/2014/main" id="{FDA795EE-76C9-4E64-84F7-FCBD85086B7A}"/>
+              </a:ext>
+            </a:extLst>
+          </p:cNvPr>
+          <p:cNvSpPr>
+            <a:spLocks noGrp="1"/>
+          </p:cNvSpPr>
+          <p:nvPr>
+            <p:ph idx="1"/>
+          </p:nvPr>
+        </p:nvSpPr>
+        <p:spPr/>
+        <p:txBody>
+          <a:bodyPr/>
+          <a:lstStyle/>
+          <a:p>
+            <a:r>
+              <a:rPr lang="en-US" dirty="0"/>
+              <a:t>Replace text based on content</a:t>
+            </a:r>
+          </a:p>
+          <a:p>
+            <a:endParaRPr lang="en-US" dirty="0"/>
+          </a:p>
+        </p:txBody>
+      </p:sp>
+      <p:pic>
+        <p:nvPicPr>
+          <p:cNvPr id="5" name="Picture 4">
+            <a:extLst>
+              <a:ext uri="{FF2B5EF4-FFF2-40B4-BE49-F238E27FC236}">
+                <a16:creationId xmlns:a16="http://schemas.microsoft.com/office/drawing/2014/main" id="{6A288274-9277-4217-9B03-043A0F485753}"/>
+              </a:ext>
+            </a:extLst>
+          </p:cNvPr>
+          <p:cNvPicPr>
+            <a:picLocks noChangeAspect="1"/>
+          </p:cNvPicPr>
+          <p:nvPr/>
+        </p:nvPicPr>
+        <p:blipFill>
+          <a:blip r:embed="rId2"/>
+          <a:stretch>
+            <a:fillRect/>
+          </a:stretch>
+        </p:blipFill>
+        <p:spPr>
+          <a:xfrm>
+            <a:off x="1090669" y="3117556"/>
+            <a:ext cx="10385234" cy="2594611"/>
+          </a:xfrm>
+          <a:prstGeom prst="rect">
+            <a:avLst/>
+          </a:prstGeom>
+        </p:spPr>
+      </p:pic>
+    </p:spTree>
+    <p:extLst>
+      <p:ext uri="{BB962C8B-B14F-4D97-AF65-F5344CB8AC3E}">
+        <p14:creationId xmlns:p14="http://schemas.microsoft.com/office/powerpoint/2010/main" val="2040010512"/>
+      </p:ext>
+    </p:extLst>
+  </p:cSld>
+  <p:clrMapOvr>
+    <a:masterClrMapping/>
+  </p:clrMapOvr>
+</p:sld>
+</file>
+
+<file path=ppt/slides/slide13.xml><?xml version="1.0" encoding="utf-8"?>
+<p:sld xmlns:a="http://schemas.openxmlformats.org/drawingml/2006/main" xmlns:r="http://schemas.openxmlformats.org/officeDocument/2006/relationships" xmlns:p="http://schemas.openxmlformats.org/presentationml/2006/main">
+  <p:cSld>
+    <p:spTree>
+      <p:nvGrpSpPr>
+        <p:cNvPr id="1" name=""/>
+        <p:cNvGrpSpPr/>
+        <p:nvPr/>
+      </p:nvGrpSpPr>
+      <p:grpSpPr>
+        <a:xfrm>
+          <a:off x="0" y="0"/>
+          <a:ext cx="0" cy="0"/>
+          <a:chOff x="0" y="0"/>
+          <a:chExt cx="0" cy="0"/>
+        </a:xfrm>
+      </p:grpSpPr>
+      <p:sp>
+        <p:nvSpPr>
+          <p:cNvPr id="2" name="Title 1">
+            <a:extLst>
+              <a:ext uri="{FF2B5EF4-FFF2-40B4-BE49-F238E27FC236}">
+                <a16:creationId xmlns:a16="http://schemas.microsoft.com/office/drawing/2014/main" id="{B10DDABB-1643-43A2-B85E-71AD82E9711A}"/>
+              </a:ext>
+            </a:extLst>
+          </p:cNvPr>
+          <p:cNvSpPr>
+            <a:spLocks noGrp="1"/>
+          </p:cNvSpPr>
+          <p:nvPr>
+            <p:ph type="title"/>
+          </p:nvPr>
+        </p:nvSpPr>
+        <p:spPr/>
+        <p:txBody>
+          <a:bodyPr/>
+          <a:lstStyle/>
+          <a:p>
+            <a:r>
+              <a:rPr lang="en-US" dirty="0"/>
+              <a:t>Value (convert text to a numerical value)</a:t>
+            </a:r>
+          </a:p>
+        </p:txBody>
+      </p:sp>
+      <p:pic>
+        <p:nvPicPr>
+          <p:cNvPr id="5" name="Content Placeholder 4">
+            <a:extLst>
+              <a:ext uri="{FF2B5EF4-FFF2-40B4-BE49-F238E27FC236}">
+                <a16:creationId xmlns:a16="http://schemas.microsoft.com/office/drawing/2014/main" id="{C1EFB8FB-97D8-4595-94D6-54B2A4FDA260}"/>
+              </a:ext>
+            </a:extLst>
+          </p:cNvPr>
+          <p:cNvPicPr>
+            <a:picLocks noGrp="1" noChangeAspect="1"/>
+          </p:cNvPicPr>
+          <p:nvPr>
+            <p:ph idx="1"/>
+          </p:nvPr>
+        </p:nvPicPr>
+        <p:blipFill>
+          <a:blip r:embed="rId2"/>
+          <a:stretch>
+            <a:fillRect/>
+          </a:stretch>
+        </p:blipFill>
+        <p:spPr>
+          <a:xfrm>
+            <a:off x="2138500" y="1825625"/>
+            <a:ext cx="7914999" cy="4351338"/>
+          </a:xfrm>
+        </p:spPr>
+      </p:pic>
+    </p:spTree>
+    <p:extLst>
+      <p:ext uri="{BB962C8B-B14F-4D97-AF65-F5344CB8AC3E}">
+        <p14:creationId xmlns:p14="http://schemas.microsoft.com/office/powerpoint/2010/main" val="1123271128"/>
+      </p:ext>
+    </p:extLst>
+  </p:cSld>
+  <p:clrMapOvr>
+    <a:masterClrMapping/>
+  </p:clrMapOvr>
+</p:sld>
+</file>
+
+<file path=ppt/slides/slide14.xml><?xml version="1.0" encoding="utf-8"?>
+<p:sld xmlns:a="http://schemas.openxmlformats.org/drawingml/2006/main" xmlns:r="http://schemas.openxmlformats.org/officeDocument/2006/relationships" xmlns:p="http://schemas.openxmlformats.org/presentationml/2006/main">
+  <p:cSld>
+    <p:spTree>
+      <p:nvGrpSpPr>
+        <p:cNvPr id="1" name=""/>
+        <p:cNvGrpSpPr/>
+        <p:nvPr/>
+      </p:nvGrpSpPr>
+      <p:grpSpPr>
+        <a:xfrm>
+          <a:off x="0" y="0"/>
+          <a:ext cx="0" cy="0"/>
+          <a:chOff x="0" y="0"/>
+          <a:chExt cx="0" cy="0"/>
+        </a:xfrm>
+      </p:grpSpPr>
+      <p:sp>
+        <p:nvSpPr>
+          <p:cNvPr id="2" name="Title 1">
+            <a:extLst>
+              <a:ext uri="{FF2B5EF4-FFF2-40B4-BE49-F238E27FC236}">
+                <a16:creationId xmlns:a16="http://schemas.microsoft.com/office/drawing/2014/main" id="{4F131C2E-5C66-4DCB-92F0-3E32A4F0BBD1}"/>
+              </a:ext>
+            </a:extLst>
+          </p:cNvPr>
+          <p:cNvSpPr>
+            <a:spLocks noGrp="1"/>
+          </p:cNvSpPr>
+          <p:nvPr>
+            <p:ph type="title"/>
+          </p:nvPr>
+        </p:nvSpPr>
+        <p:spPr/>
+        <p:txBody>
+          <a:bodyPr/>
+          <a:lstStyle/>
+          <a:p>
+            <a:r>
+              <a:rPr lang="en-US" dirty="0"/>
+              <a:t>Text(convert and return date as plain text)</a:t>
+            </a:r>
+          </a:p>
+        </p:txBody>
+      </p:sp>
+      <p:pic>
+        <p:nvPicPr>
+          <p:cNvPr id="5" name="Content Placeholder 4">
+            <a:extLst>
+              <a:ext uri="{FF2B5EF4-FFF2-40B4-BE49-F238E27FC236}">
+                <a16:creationId xmlns:a16="http://schemas.microsoft.com/office/drawing/2014/main" id="{D431C0B6-03B0-4594-931B-46ED33CB86C4}"/>
+              </a:ext>
+            </a:extLst>
+          </p:cNvPr>
+          <p:cNvPicPr>
+            <a:picLocks noGrp="1" noChangeAspect="1"/>
+          </p:cNvPicPr>
+          <p:nvPr>
+            <p:ph idx="1"/>
+          </p:nvPr>
+        </p:nvPicPr>
+        <p:blipFill>
+          <a:blip r:embed="rId2"/>
+          <a:stretch>
+            <a:fillRect/>
+          </a:stretch>
+        </p:blipFill>
+        <p:spPr>
+          <a:xfrm>
+            <a:off x="1762967" y="1825625"/>
+            <a:ext cx="8666066" cy="4351338"/>
+          </a:xfrm>
+        </p:spPr>
+      </p:pic>
+    </p:spTree>
+    <p:extLst>
+      <p:ext uri="{BB962C8B-B14F-4D97-AF65-F5344CB8AC3E}">
+        <p14:creationId xmlns:p14="http://schemas.microsoft.com/office/powerpoint/2010/main" val="1244706193"/>
+      </p:ext>
+    </p:extLst>
+  </p:cSld>
+  <p:clrMapOvr>
+    <a:masterClrMapping/>
+  </p:clrMapOvr>
+</p:sld>
+</file>
+
+<file path=ppt/slides/slide15.xml><?xml version="1.0" encoding="utf-8"?>
+<p:sld xmlns:a="http://schemas.openxmlformats.org/drawingml/2006/main" xmlns:r="http://schemas.openxmlformats.org/officeDocument/2006/relationships" xmlns:p="http://schemas.openxmlformats.org/presentationml/2006/main">
+  <p:cSld>
+    <p:spTree>
+      <p:nvGrpSpPr>
+        <p:cNvPr id="1" name=""/>
+        <p:cNvGrpSpPr/>
+        <p:nvPr/>
+      </p:nvGrpSpPr>
+      <p:grpSpPr>
+        <a:xfrm>
+          <a:off x="0" y="0"/>
+          <a:ext cx="0" cy="0"/>
+          <a:chOff x="0" y="0"/>
+          <a:chExt cx="0" cy="0"/>
+        </a:xfrm>
+      </p:grpSpPr>
+      <p:sp>
+        <p:nvSpPr>
+          <p:cNvPr id="2" name="Title 1">
+            <a:extLst>
+              <a:ext uri="{FF2B5EF4-FFF2-40B4-BE49-F238E27FC236}">
+                <a16:creationId xmlns:a16="http://schemas.microsoft.com/office/drawing/2014/main" id="{52DD2054-5632-4A0D-AE66-F7758CBA7F91}"/>
+              </a:ext>
+            </a:extLst>
+          </p:cNvPr>
+          <p:cNvSpPr>
+            <a:spLocks noGrp="1"/>
+          </p:cNvSpPr>
+          <p:nvPr>
+            <p:ph type="title"/>
+          </p:nvPr>
+        </p:nvSpPr>
+        <p:spPr/>
+        <p:txBody>
+          <a:bodyPr/>
+          <a:lstStyle/>
+          <a:p>
+            <a:r>
+              <a:rPr lang="en-US" dirty="0"/>
+              <a:t>Date (convert text to date)</a:t>
+            </a:r>
+          </a:p>
+        </p:txBody>
+      </p:sp>
+      <p:pic>
+        <p:nvPicPr>
+          <p:cNvPr id="5" name="Content Placeholder 4">
+            <a:extLst>
+              <a:ext uri="{FF2B5EF4-FFF2-40B4-BE49-F238E27FC236}">
+                <a16:creationId xmlns:a16="http://schemas.microsoft.com/office/drawing/2014/main" id="{2802499F-4FEA-4F2D-9316-8A415EB57CFD}"/>
+              </a:ext>
+            </a:extLst>
+          </p:cNvPr>
+          <p:cNvPicPr>
+            <a:picLocks noGrp="1" noChangeAspect="1"/>
+          </p:cNvPicPr>
+          <p:nvPr>
+            <p:ph idx="1"/>
+          </p:nvPr>
+        </p:nvPicPr>
+        <p:blipFill>
+          <a:blip r:embed="rId2"/>
+          <a:stretch>
+            <a:fillRect/>
+          </a:stretch>
+        </p:blipFill>
+        <p:spPr>
+          <a:xfrm>
+            <a:off x="617862" y="2565379"/>
+            <a:ext cx="10515600" cy="3665046"/>
+          </a:xfrm>
+        </p:spPr>
+      </p:pic>
+      <p:cxnSp>
+        <p:nvCxnSpPr>
+          <p:cNvPr id="7" name="Straight Arrow Connector 6">
+            <a:extLst>
+              <a:ext uri="{FF2B5EF4-FFF2-40B4-BE49-F238E27FC236}">
+                <a16:creationId xmlns:a16="http://schemas.microsoft.com/office/drawing/2014/main" id="{4B3B4953-8A18-4168-8804-4F0F367495A1}"/>
+              </a:ext>
+            </a:extLst>
+          </p:cNvPr>
+          <p:cNvCxnSpPr>
+            <a:cxnSpLocks/>
+          </p:cNvCxnSpPr>
+          <p:nvPr/>
+        </p:nvCxnSpPr>
+        <p:spPr>
+          <a:xfrm flipV="1">
+            <a:off x="1828800" y="2049137"/>
+            <a:ext cx="0" cy="516242"/>
+          </a:xfrm>
+          <a:prstGeom prst="straightConnector1">
+            <a:avLst/>
+          </a:prstGeom>
+          <a:ln>
+            <a:tailEnd type="triangle"/>
+          </a:ln>
+        </p:spPr>
+        <p:style>
+          <a:lnRef idx="1">
+            <a:schemeClr val="accent1"/>
+          </a:lnRef>
+          <a:fillRef idx="0">
+            <a:schemeClr val="accent1"/>
+          </a:fillRef>
+          <a:effectRef idx="0">
+            <a:schemeClr val="accent1"/>
+          </a:effectRef>
+          <a:fontRef idx="minor">
+            <a:schemeClr val="tx1"/>
+          </a:fontRef>
+        </p:style>
+      </p:cxnSp>
+      <p:sp>
+        <p:nvSpPr>
+          <p:cNvPr id="9" name="TextBox 8">
+            <a:extLst>
+              <a:ext uri="{FF2B5EF4-FFF2-40B4-BE49-F238E27FC236}">
+                <a16:creationId xmlns:a16="http://schemas.microsoft.com/office/drawing/2014/main" id="{3A89B5A1-FC54-4EB1-A477-B470BED73FA6}"/>
+              </a:ext>
+            </a:extLst>
+          </p:cNvPr>
+          <p:cNvSpPr txBox="1"/>
+          <p:nvPr/>
+        </p:nvSpPr>
+        <p:spPr>
+          <a:xfrm>
+            <a:off x="1112703" y="1690688"/>
+            <a:ext cx="2379643" cy="369332"/>
+          </a:xfrm>
+          <a:prstGeom prst="rect">
+            <a:avLst/>
+          </a:prstGeom>
+          <a:noFill/>
+        </p:spPr>
+        <p:txBody>
+          <a:bodyPr wrap="square" rtlCol="0">
+            <a:spAutoFit/>
+          </a:bodyPr>
+          <a:lstStyle/>
+          <a:p>
+            <a:r>
+              <a:rPr lang="en-US" dirty="0"/>
+              <a:t>Must be all numbers</a:t>
+            </a:r>
+          </a:p>
+        </p:txBody>
+      </p:sp>
+      <p:cxnSp>
+        <p:nvCxnSpPr>
+          <p:cNvPr id="11" name="Straight Arrow Connector 10">
+            <a:extLst>
+              <a:ext uri="{FF2B5EF4-FFF2-40B4-BE49-F238E27FC236}">
+                <a16:creationId xmlns:a16="http://schemas.microsoft.com/office/drawing/2014/main" id="{F20148B7-C343-4474-9FD7-19AB37F5DA17}"/>
+              </a:ext>
+            </a:extLst>
+          </p:cNvPr>
+          <p:cNvCxnSpPr/>
+          <p:nvPr/>
+        </p:nvCxnSpPr>
+        <p:spPr>
+          <a:xfrm flipV="1">
+            <a:off x="2258458" y="2467778"/>
+            <a:ext cx="881349" cy="330506"/>
+          </a:xfrm>
+          <a:prstGeom prst="straightConnector1">
+            <a:avLst/>
+          </a:prstGeom>
+          <a:ln>
+            <a:tailEnd type="triangle"/>
+          </a:ln>
+        </p:spPr>
+        <p:style>
+          <a:lnRef idx="1">
+            <a:schemeClr val="accent1"/>
+          </a:lnRef>
+          <a:fillRef idx="0">
+            <a:schemeClr val="accent1"/>
+          </a:fillRef>
+          <a:effectRef idx="0">
+            <a:schemeClr val="accent1"/>
+          </a:effectRef>
+          <a:fontRef idx="minor">
+            <a:schemeClr val="tx1"/>
+          </a:fontRef>
+        </p:style>
+      </p:cxnSp>
+      <p:sp>
+        <p:nvSpPr>
+          <p:cNvPr id="12" name="TextBox 11">
+            <a:extLst>
+              <a:ext uri="{FF2B5EF4-FFF2-40B4-BE49-F238E27FC236}">
+                <a16:creationId xmlns:a16="http://schemas.microsoft.com/office/drawing/2014/main" id="{AF642BA4-CB05-4387-9797-67FE1571AB6E}"/>
+              </a:ext>
+            </a:extLst>
+          </p:cNvPr>
+          <p:cNvSpPr txBox="1"/>
+          <p:nvPr/>
+        </p:nvSpPr>
+        <p:spPr>
+          <a:xfrm>
+            <a:off x="3139807" y="2196047"/>
+            <a:ext cx="2875404" cy="369332"/>
+          </a:xfrm>
+          <a:prstGeom prst="rect">
+            <a:avLst/>
+          </a:prstGeom>
+          <a:noFill/>
+        </p:spPr>
+        <p:txBody>
+          <a:bodyPr wrap="square" rtlCol="0">
+            <a:spAutoFit/>
+          </a:bodyPr>
+          <a:lstStyle/>
+          <a:p>
+            <a:r>
+              <a:rPr lang="en-US" dirty="0"/>
+              <a:t>Extract C2 date information</a:t>
+            </a:r>
+          </a:p>
+        </p:txBody>
+      </p:sp>
+    </p:spTree>
+    <p:extLst>
+      <p:ext uri="{BB962C8B-B14F-4D97-AF65-F5344CB8AC3E}">
+        <p14:creationId xmlns:p14="http://schemas.microsoft.com/office/powerpoint/2010/main" val="3102264149"/>
+      </p:ext>
+    </p:extLst>
+  </p:cSld>
+  <p:clrMapOvr>
+    <a:masterClrMapping/>
+  </p:clrMapOvr>
+</p:sld>
+</file>
+
+<file path=ppt/slides/slide16.xml><?xml version="1.0" encoding="utf-8"?>
+<p:sld xmlns:a="http://schemas.openxmlformats.org/drawingml/2006/main" xmlns:r="http://schemas.openxmlformats.org/officeDocument/2006/relationships" xmlns:p="http://schemas.openxmlformats.org/presentationml/2006/main">
+  <p:cSld>
+    <p:spTree>
+      <p:nvGrpSpPr>
+        <p:cNvPr id="1" name=""/>
+        <p:cNvGrpSpPr/>
+        <p:nvPr/>
+      </p:nvGrpSpPr>
+      <p:grpSpPr>
+        <a:xfrm>
+          <a:off x="0" y="0"/>
+          <a:ext cx="0" cy="0"/>
+          <a:chOff x="0" y="0"/>
+          <a:chExt cx="0" cy="0"/>
+        </a:xfrm>
+      </p:grpSpPr>
+      <p:sp>
+        <p:nvSpPr>
+          <p:cNvPr id="2" name="Title 1">
+            <a:extLst>
+              <a:ext uri="{FF2B5EF4-FFF2-40B4-BE49-F238E27FC236}">
+                <a16:creationId xmlns:a16="http://schemas.microsoft.com/office/drawing/2014/main" id="{027B2352-CCD9-4292-8E0B-14B6CEDAD8C7}"/>
+              </a:ext>
+            </a:extLst>
+          </p:cNvPr>
+          <p:cNvSpPr>
+            <a:spLocks noGrp="1"/>
+          </p:cNvSpPr>
+          <p:nvPr>
+            <p:ph type="title"/>
+          </p:nvPr>
+        </p:nvSpPr>
+        <p:spPr/>
+        <p:txBody>
+          <a:bodyPr/>
+          <a:lstStyle/>
+          <a:p>
+            <a:r>
+              <a:rPr lang="en-US" dirty="0"/>
+              <a:t>Now &amp; TODAY function</a:t>
+            </a:r>
+          </a:p>
+        </p:txBody>
+      </p:sp>
+      <p:pic>
+        <p:nvPicPr>
+          <p:cNvPr id="5" name="Content Placeholder 4">
+            <a:extLst>
+              <a:ext uri="{FF2B5EF4-FFF2-40B4-BE49-F238E27FC236}">
+                <a16:creationId xmlns:a16="http://schemas.microsoft.com/office/drawing/2014/main" id="{DAF8031C-9E8C-4FC9-A2AE-2C7858BE02FD}"/>
+              </a:ext>
+            </a:extLst>
+          </p:cNvPr>
+          <p:cNvPicPr>
+            <a:picLocks noGrp="1" noChangeAspect="1"/>
+          </p:cNvPicPr>
+          <p:nvPr>
+            <p:ph idx="1"/>
+          </p:nvPr>
+        </p:nvPicPr>
+        <p:blipFill>
+          <a:blip r:embed="rId2"/>
+          <a:stretch>
+            <a:fillRect/>
+          </a:stretch>
+        </p:blipFill>
+        <p:spPr>
+          <a:xfrm>
+            <a:off x="838200" y="2316640"/>
+            <a:ext cx="10515600" cy="3369308"/>
+          </a:xfrm>
+        </p:spPr>
+      </p:pic>
+    </p:spTree>
+    <p:extLst>
+      <p:ext uri="{BB962C8B-B14F-4D97-AF65-F5344CB8AC3E}">
+        <p14:creationId xmlns:p14="http://schemas.microsoft.com/office/powerpoint/2010/main" val="2846747669"/>
+      </p:ext>
+    </p:extLst>
+  </p:cSld>
+  <p:clrMapOvr>
+    <a:masterClrMapping/>
+  </p:clrMapOvr>
+</p:sld>
+</file>
+
+<file path=ppt/slides/slide17.xml><?xml version="1.0" encoding="utf-8"?>
+<p:sld xmlns:a="http://schemas.openxmlformats.org/drawingml/2006/main" xmlns:r="http://schemas.openxmlformats.org/officeDocument/2006/relationships" xmlns:p="http://schemas.openxmlformats.org/presentationml/2006/main">
+  <p:cSld>
+    <p:spTree>
+      <p:nvGrpSpPr>
+        <p:cNvPr id="1" name=""/>
+        <p:cNvGrpSpPr/>
+        <p:nvPr/>
+      </p:nvGrpSpPr>
+      <p:grpSpPr>
+        <a:xfrm>
+          <a:off x="0" y="0"/>
+          <a:ext cx="0" cy="0"/>
+          <a:chOff x="0" y="0"/>
+          <a:chExt cx="0" cy="0"/>
+        </a:xfrm>
+      </p:grpSpPr>
+      <p:sp>
+        <p:nvSpPr>
+          <p:cNvPr id="2" name="Title 1">
+            <a:extLst>
+              <a:ext uri="{FF2B5EF4-FFF2-40B4-BE49-F238E27FC236}">
+                <a16:creationId xmlns:a16="http://schemas.microsoft.com/office/drawing/2014/main" id="{3F830425-A533-4806-9934-41B49E09331E}"/>
+              </a:ext>
+            </a:extLst>
+          </p:cNvPr>
+          <p:cNvSpPr>
+            <a:spLocks noGrp="1"/>
+          </p:cNvSpPr>
+          <p:nvPr>
+            <p:ph type="title"/>
+          </p:nvPr>
+        </p:nvSpPr>
+        <p:spPr/>
+        <p:txBody>
+          <a:bodyPr/>
+          <a:lstStyle/>
+          <a:p>
+            <a:r>
+              <a:rPr lang="en-US" dirty="0"/>
+              <a:t>WORKDAY</a:t>
+            </a:r>
+          </a:p>
+        </p:txBody>
+      </p:sp>
+      <p:pic>
+        <p:nvPicPr>
+          <p:cNvPr id="5" name="Content Placeholder 4">
+            <a:extLst>
+              <a:ext uri="{FF2B5EF4-FFF2-40B4-BE49-F238E27FC236}">
+                <a16:creationId xmlns:a16="http://schemas.microsoft.com/office/drawing/2014/main" id="{D7C1F30F-ACC2-4BB2-B582-34B93E73BC6D}"/>
+              </a:ext>
+            </a:extLst>
+          </p:cNvPr>
+          <p:cNvPicPr>
+            <a:picLocks noGrp="1" noChangeAspect="1"/>
+          </p:cNvPicPr>
+          <p:nvPr>
+            <p:ph idx="1"/>
+          </p:nvPr>
+        </p:nvPicPr>
+        <p:blipFill>
+          <a:blip r:embed="rId2"/>
+          <a:stretch>
+            <a:fillRect/>
+          </a:stretch>
+        </p:blipFill>
+        <p:spPr>
+          <a:xfrm>
+            <a:off x="635390" y="2141537"/>
+            <a:ext cx="10436477" cy="4351338"/>
+          </a:xfrm>
+        </p:spPr>
+      </p:pic>
+      <p:cxnSp>
+        <p:nvCxnSpPr>
+          <p:cNvPr id="7" name="Straight Arrow Connector 6">
+            <a:extLst>
+              <a:ext uri="{FF2B5EF4-FFF2-40B4-BE49-F238E27FC236}">
+                <a16:creationId xmlns:a16="http://schemas.microsoft.com/office/drawing/2014/main" id="{AE1112E6-4956-4800-AC80-A28857975DFE}"/>
+              </a:ext>
+            </a:extLst>
+          </p:cNvPr>
+          <p:cNvCxnSpPr>
+            <a:endCxn id="2" idx="2"/>
+          </p:cNvCxnSpPr>
+          <p:nvPr/>
+        </p:nvCxnSpPr>
+        <p:spPr>
+          <a:xfrm flipV="1">
+            <a:off x="4629873" y="1690688"/>
+            <a:ext cx="1466127" cy="612674"/>
+          </a:xfrm>
+          <a:prstGeom prst="straightConnector1">
+            <a:avLst/>
+          </a:prstGeom>
+          <a:ln>
+            <a:tailEnd type="triangle"/>
+          </a:ln>
+        </p:spPr>
+        <p:style>
+          <a:lnRef idx="1">
+            <a:schemeClr val="accent1"/>
+          </a:lnRef>
+          <a:fillRef idx="0">
+            <a:schemeClr val="accent1"/>
+          </a:fillRef>
+          <a:effectRef idx="0">
+            <a:schemeClr val="accent1"/>
+          </a:effectRef>
+          <a:fontRef idx="minor">
+            <a:schemeClr val="tx1"/>
+          </a:fontRef>
+        </p:style>
+      </p:cxnSp>
+      <p:sp>
+        <p:nvSpPr>
+          <p:cNvPr id="8" name="TextBox 7">
+            <a:extLst>
+              <a:ext uri="{FF2B5EF4-FFF2-40B4-BE49-F238E27FC236}">
+                <a16:creationId xmlns:a16="http://schemas.microsoft.com/office/drawing/2014/main" id="{E465116D-9A7B-491D-80A4-678249018688}"/>
+              </a:ext>
+            </a:extLst>
+          </p:cNvPr>
+          <p:cNvSpPr txBox="1"/>
+          <p:nvPr/>
+        </p:nvSpPr>
+        <p:spPr>
+          <a:xfrm>
+            <a:off x="6095999" y="1443210"/>
+            <a:ext cx="3290371" cy="923330"/>
+          </a:xfrm>
+          <a:prstGeom prst="rect">
+            <a:avLst/>
+          </a:prstGeom>
+          <a:noFill/>
+        </p:spPr>
+        <p:txBody>
+          <a:bodyPr wrap="square" rtlCol="0">
+            <a:spAutoFit/>
+          </a:bodyPr>
+          <a:lstStyle/>
+          <a:p>
+            <a:r>
+              <a:rPr lang="en-US" dirty="0"/>
+              <a:t>6 workdays after particular date  (assume sat/sun are non-working days)</a:t>
+            </a:r>
+          </a:p>
+        </p:txBody>
+      </p:sp>
+    </p:spTree>
+    <p:extLst>
+      <p:ext uri="{BB962C8B-B14F-4D97-AF65-F5344CB8AC3E}">
+        <p14:creationId xmlns:p14="http://schemas.microsoft.com/office/powerpoint/2010/main" val="3671442710"/>
+      </p:ext>
+    </p:extLst>
+  </p:cSld>
+  <p:clrMapOvr>
+    <a:masterClrMapping/>
+  </p:clrMapOvr>
+</p:sld>
+</file>
+
+<file path=ppt/slides/slide18.xml><?xml version="1.0" encoding="utf-8"?>
+<p:sld xmlns:a="http://schemas.openxmlformats.org/drawingml/2006/main" xmlns:r="http://schemas.openxmlformats.org/officeDocument/2006/relationships" xmlns:p="http://schemas.openxmlformats.org/presentationml/2006/main">
+  <p:cSld>
+    <p:spTree>
+      <p:nvGrpSpPr>
+        <p:cNvPr id="1" name=""/>
+        <p:cNvGrpSpPr/>
+        <p:nvPr/>
+      </p:nvGrpSpPr>
+      <p:grpSpPr>
+        <a:xfrm>
+          <a:off x="0" y="0"/>
+          <a:ext cx="0" cy="0"/>
+          <a:chOff x="0" y="0"/>
+          <a:chExt cx="0" cy="0"/>
+        </a:xfrm>
+      </p:grpSpPr>
+      <p:sp>
+        <p:nvSpPr>
+          <p:cNvPr id="2" name="Title 1">
+            <a:extLst>
+              <a:ext uri="{FF2B5EF4-FFF2-40B4-BE49-F238E27FC236}">
+                <a16:creationId xmlns:a16="http://schemas.microsoft.com/office/drawing/2014/main" id="{5364DFB3-9702-4513-82FF-85100A847DE7}"/>
+              </a:ext>
+            </a:extLst>
+          </p:cNvPr>
+          <p:cNvSpPr>
+            <a:spLocks noGrp="1"/>
+          </p:cNvSpPr>
+          <p:nvPr>
+            <p:ph type="title"/>
+          </p:nvPr>
+        </p:nvSpPr>
+        <p:spPr>
+          <a:xfrm>
+            <a:off x="838200" y="365126"/>
+            <a:ext cx="10515600" cy="692494"/>
+          </a:xfrm>
+        </p:spPr>
+        <p:txBody>
+          <a:bodyPr>
+            <a:normAutofit fontScale="90000"/>
+          </a:bodyPr>
+          <a:lstStyle/>
+          <a:p>
+            <a:r>
+              <a:rPr lang="en-US" dirty="0" err="1"/>
+              <a:t>Workday.intl</a:t>
+            </a:r>
+            <a:endParaRPr lang="en-US" dirty="0"/>
+          </a:p>
+        </p:txBody>
+      </p:sp>
+      <p:pic>
+        <p:nvPicPr>
+          <p:cNvPr id="5" name="Content Placeholder 4">
+            <a:extLst>
+              <a:ext uri="{FF2B5EF4-FFF2-40B4-BE49-F238E27FC236}">
+                <a16:creationId xmlns:a16="http://schemas.microsoft.com/office/drawing/2014/main" id="{F5ED9356-8570-4067-9B6F-0526B9C25E0C}"/>
+              </a:ext>
+            </a:extLst>
+          </p:cNvPr>
+          <p:cNvPicPr>
+            <a:picLocks noGrp="1" noChangeAspect="1"/>
+          </p:cNvPicPr>
+          <p:nvPr>
+            <p:ph idx="1"/>
+          </p:nvPr>
+        </p:nvPicPr>
+        <p:blipFill>
+          <a:blip r:embed="rId2"/>
+          <a:stretch>
+            <a:fillRect/>
+          </a:stretch>
+        </p:blipFill>
+        <p:spPr>
+          <a:xfrm>
+            <a:off x="363322" y="2159051"/>
+            <a:ext cx="5924287" cy="4351338"/>
+          </a:xfrm>
+        </p:spPr>
+      </p:pic>
+      <p:cxnSp>
+        <p:nvCxnSpPr>
+          <p:cNvPr id="7" name="Straight Arrow Connector 6">
+            <a:extLst>
+              <a:ext uri="{FF2B5EF4-FFF2-40B4-BE49-F238E27FC236}">
+                <a16:creationId xmlns:a16="http://schemas.microsoft.com/office/drawing/2014/main" id="{7F70569F-9E74-442D-9C1A-09A181B860ED}"/>
+              </a:ext>
+            </a:extLst>
+          </p:cNvPr>
+          <p:cNvCxnSpPr>
+            <a:cxnSpLocks/>
+          </p:cNvCxnSpPr>
+          <p:nvPr/>
+        </p:nvCxnSpPr>
+        <p:spPr>
+          <a:xfrm flipH="1" flipV="1">
+            <a:off x="5210978" y="1972019"/>
+            <a:ext cx="110169" cy="550844"/>
+          </a:xfrm>
+          <a:prstGeom prst="straightConnector1">
+            <a:avLst/>
+          </a:prstGeom>
+          <a:ln>
+            <a:tailEnd type="triangle"/>
+          </a:ln>
+        </p:spPr>
+        <p:style>
+          <a:lnRef idx="1">
+            <a:schemeClr val="accent1"/>
+          </a:lnRef>
+          <a:fillRef idx="0">
+            <a:schemeClr val="accent1"/>
+          </a:fillRef>
+          <a:effectRef idx="0">
+            <a:schemeClr val="accent1"/>
+          </a:effectRef>
+          <a:fontRef idx="minor">
+            <a:schemeClr val="tx1"/>
+          </a:fontRef>
+        </p:style>
+      </p:cxnSp>
+      <p:sp>
+        <p:nvSpPr>
+          <p:cNvPr id="9" name="TextBox 8">
+            <a:extLst>
+              <a:ext uri="{FF2B5EF4-FFF2-40B4-BE49-F238E27FC236}">
+                <a16:creationId xmlns:a16="http://schemas.microsoft.com/office/drawing/2014/main" id="{38A63275-98B3-438B-9D22-9B7474900A74}"/>
+              </a:ext>
+            </a:extLst>
+          </p:cNvPr>
+          <p:cNvSpPr txBox="1"/>
+          <p:nvPr/>
+        </p:nvSpPr>
+        <p:spPr>
+          <a:xfrm>
+            <a:off x="4156288" y="955173"/>
+            <a:ext cx="3290371" cy="923330"/>
+          </a:xfrm>
+          <a:prstGeom prst="rect">
+            <a:avLst/>
+          </a:prstGeom>
+          <a:noFill/>
+        </p:spPr>
+        <p:txBody>
+          <a:bodyPr wrap="square" rtlCol="0">
+            <a:spAutoFit/>
+          </a:bodyPr>
+          <a:lstStyle/>
+          <a:p>
+            <a:r>
+              <a:rPr lang="en-US" dirty="0"/>
+              <a:t>6 workdays after (assume Tue/Sun are non-working days, so put “1”, the rest days put “0”)</a:t>
+            </a:r>
+          </a:p>
+        </p:txBody>
+      </p:sp>
+      <p:pic>
+        <p:nvPicPr>
+          <p:cNvPr id="14" name="Picture 13">
+            <a:extLst>
+              <a:ext uri="{FF2B5EF4-FFF2-40B4-BE49-F238E27FC236}">
+                <a16:creationId xmlns:a16="http://schemas.microsoft.com/office/drawing/2014/main" id="{E16C0EB7-0E40-4B27-9548-264585C16269}"/>
+              </a:ext>
+            </a:extLst>
+          </p:cNvPr>
+          <p:cNvPicPr>
+            <a:picLocks noChangeAspect="1"/>
+          </p:cNvPicPr>
+          <p:nvPr/>
+        </p:nvPicPr>
+        <p:blipFill>
+          <a:blip r:embed="rId3"/>
+          <a:stretch>
+            <a:fillRect/>
+          </a:stretch>
+        </p:blipFill>
+        <p:spPr>
+          <a:xfrm>
+            <a:off x="6828185" y="3150826"/>
+            <a:ext cx="5220596" cy="2950306"/>
+          </a:xfrm>
+          <a:prstGeom prst="rect">
+            <a:avLst/>
+          </a:prstGeom>
+        </p:spPr>
+      </p:pic>
+      <p:cxnSp>
+        <p:nvCxnSpPr>
+          <p:cNvPr id="15" name="Straight Arrow Connector 14">
+            <a:extLst>
+              <a:ext uri="{FF2B5EF4-FFF2-40B4-BE49-F238E27FC236}">
+                <a16:creationId xmlns:a16="http://schemas.microsoft.com/office/drawing/2014/main" id="{A5DBD50B-09B7-4396-846B-5FD432690F7E}"/>
+              </a:ext>
+            </a:extLst>
+          </p:cNvPr>
+          <p:cNvCxnSpPr>
+            <a:cxnSpLocks/>
+          </p:cNvCxnSpPr>
+          <p:nvPr/>
+        </p:nvCxnSpPr>
+        <p:spPr>
+          <a:xfrm flipV="1">
+            <a:off x="9847244" y="2522863"/>
+            <a:ext cx="112004" cy="627963"/>
+          </a:xfrm>
+          <a:prstGeom prst="straightConnector1">
+            <a:avLst/>
+          </a:prstGeom>
+          <a:ln>
+            <a:tailEnd type="triangle"/>
+          </a:ln>
+        </p:spPr>
+        <p:style>
+          <a:lnRef idx="1">
+            <a:schemeClr val="accent1"/>
+          </a:lnRef>
+          <a:fillRef idx="0">
+            <a:schemeClr val="accent1"/>
+          </a:fillRef>
+          <a:effectRef idx="0">
+            <a:schemeClr val="accent1"/>
+          </a:effectRef>
+          <a:fontRef idx="minor">
+            <a:schemeClr val="tx1"/>
+          </a:fontRef>
+        </p:style>
+      </p:cxnSp>
+      <p:sp>
+        <p:nvSpPr>
+          <p:cNvPr id="17" name="TextBox 16">
+            <a:extLst>
+              <a:ext uri="{FF2B5EF4-FFF2-40B4-BE49-F238E27FC236}">
+                <a16:creationId xmlns:a16="http://schemas.microsoft.com/office/drawing/2014/main" id="{1B87300D-E0ED-499D-8B33-651B6B256068}"/>
+              </a:ext>
+            </a:extLst>
+          </p:cNvPr>
+          <p:cNvSpPr txBox="1"/>
+          <p:nvPr/>
+        </p:nvSpPr>
+        <p:spPr>
+          <a:xfrm>
+            <a:off x="8758410" y="1591335"/>
+            <a:ext cx="3290371" cy="646331"/>
+          </a:xfrm>
+          <a:prstGeom prst="rect">
+            <a:avLst/>
+          </a:prstGeom>
+          <a:noFill/>
+        </p:spPr>
+        <p:txBody>
+          <a:bodyPr wrap="square" rtlCol="0">
+            <a:spAutoFit/>
+          </a:bodyPr>
+          <a:lstStyle/>
+          <a:p>
+            <a:r>
+              <a:rPr lang="en-US" dirty="0"/>
+              <a:t>If we want to take into a account of holiday(</a:t>
+            </a:r>
+            <a:r>
+              <a:rPr lang="en-US" dirty="0" err="1"/>
+              <a:t>eg</a:t>
+            </a:r>
+            <a:r>
+              <a:rPr lang="en-US" dirty="0"/>
+              <a:t>, April 10)</a:t>
+            </a:r>
+          </a:p>
+        </p:txBody>
+      </p:sp>
+    </p:spTree>
+    <p:extLst>
+      <p:ext uri="{BB962C8B-B14F-4D97-AF65-F5344CB8AC3E}">
+        <p14:creationId xmlns:p14="http://schemas.microsoft.com/office/powerpoint/2010/main" val="813947862"/>
+      </p:ext>
+    </p:extLst>
+  </p:cSld>
+  <p:clrMapOvr>
+    <a:masterClrMapping/>
+  </p:clrMapOvr>
+</p:sld>
+</file>
+
+<file path=ppt/slides/slide19.xml><?xml version="1.0" encoding="utf-8"?>
+<p:sld xmlns:a="http://schemas.openxmlformats.org/drawingml/2006/main" xmlns:r="http://schemas.openxmlformats.org/officeDocument/2006/relationships" xmlns:p="http://schemas.openxmlformats.org/presentationml/2006/main">
+  <p:cSld>
+    <p:spTree>
+      <p:nvGrpSpPr>
+        <p:cNvPr id="1" name=""/>
+        <p:cNvGrpSpPr/>
+        <p:nvPr/>
+      </p:nvGrpSpPr>
+      <p:grpSpPr>
+        <a:xfrm>
+          <a:off x="0" y="0"/>
+          <a:ext cx="0" cy="0"/>
+          <a:chOff x="0" y="0"/>
+          <a:chExt cx="0" cy="0"/>
+        </a:xfrm>
+      </p:grpSpPr>
+      <p:sp>
+        <p:nvSpPr>
+          <p:cNvPr id="2" name="Title 1">
+            <a:extLst>
+              <a:ext uri="{FF2B5EF4-FFF2-40B4-BE49-F238E27FC236}">
+                <a16:creationId xmlns:a16="http://schemas.microsoft.com/office/drawing/2014/main" id="{4E6C0A49-8CEC-4B93-9C14-224521A3AA82}"/>
+              </a:ext>
+            </a:extLst>
+          </p:cNvPr>
+          <p:cNvSpPr>
+            <a:spLocks noGrp="1"/>
+          </p:cNvSpPr>
+          <p:nvPr>
+            <p:ph type="title"/>
+          </p:nvPr>
+        </p:nvSpPr>
+        <p:spPr/>
+        <p:txBody>
+          <a:bodyPr/>
+          <a:lstStyle/>
+          <a:p>
+            <a:r>
+              <a:rPr lang="en-US" dirty="0" err="1"/>
+              <a:t>Networkdays</a:t>
+            </a:r>
+            <a:r>
+              <a:rPr lang="en-US" dirty="0"/>
+              <a:t> (return the number of whole working days between a start/end date)</a:t>
+            </a:r>
+          </a:p>
+        </p:txBody>
+      </p:sp>
+      <p:pic>
+        <p:nvPicPr>
+          <p:cNvPr id="5" name="Content Placeholder 4">
+            <a:extLst>
+              <a:ext uri="{FF2B5EF4-FFF2-40B4-BE49-F238E27FC236}">
+                <a16:creationId xmlns:a16="http://schemas.microsoft.com/office/drawing/2014/main" id="{75A93F31-74EA-4A15-80C2-AA2FEA428527}"/>
+              </a:ext>
+            </a:extLst>
+          </p:cNvPr>
+          <p:cNvPicPr>
+            <a:picLocks noGrp="1" noChangeAspect="1"/>
+          </p:cNvPicPr>
+          <p:nvPr>
+            <p:ph idx="1"/>
+          </p:nvPr>
+        </p:nvPicPr>
+        <p:blipFill>
+          <a:blip r:embed="rId2"/>
+          <a:stretch>
+            <a:fillRect/>
+          </a:stretch>
+        </p:blipFill>
+        <p:spPr>
+          <a:xfrm>
+            <a:off x="475561" y="3036860"/>
+            <a:ext cx="7010400" cy="3581400"/>
+          </a:xfrm>
+        </p:spPr>
+      </p:pic>
+      <p:cxnSp>
+        <p:nvCxnSpPr>
+          <p:cNvPr id="7" name="Straight Arrow Connector 6">
+            <a:extLst>
+              <a:ext uri="{FF2B5EF4-FFF2-40B4-BE49-F238E27FC236}">
+                <a16:creationId xmlns:a16="http://schemas.microsoft.com/office/drawing/2014/main" id="{C5D22A20-AA49-41EF-9CE4-070FAA6CE64A}"/>
+              </a:ext>
+            </a:extLst>
+          </p:cNvPr>
+          <p:cNvCxnSpPr/>
+          <p:nvPr/>
+        </p:nvCxnSpPr>
+        <p:spPr>
+          <a:xfrm flipH="1" flipV="1">
+            <a:off x="4538949" y="2776251"/>
+            <a:ext cx="1806767" cy="2599980"/>
+          </a:xfrm>
+          <a:prstGeom prst="straightConnector1">
+            <a:avLst/>
+          </a:prstGeom>
+          <a:ln>
+            <a:tailEnd type="triangle"/>
+          </a:ln>
+        </p:spPr>
+        <p:style>
+          <a:lnRef idx="1">
+            <a:schemeClr val="accent1"/>
+          </a:lnRef>
+          <a:fillRef idx="0">
+            <a:schemeClr val="accent1"/>
+          </a:fillRef>
+          <a:effectRef idx="0">
+            <a:schemeClr val="accent1"/>
+          </a:effectRef>
+          <a:fontRef idx="minor">
+            <a:schemeClr val="tx1"/>
+          </a:fontRef>
+        </p:style>
+      </p:cxnSp>
+      <p:sp>
+        <p:nvSpPr>
+          <p:cNvPr id="8" name="TextBox 7">
+            <a:extLst>
+              <a:ext uri="{FF2B5EF4-FFF2-40B4-BE49-F238E27FC236}">
+                <a16:creationId xmlns:a16="http://schemas.microsoft.com/office/drawing/2014/main" id="{AA5A1879-2354-4112-B61B-404C98B99DDB}"/>
+              </a:ext>
+            </a:extLst>
+          </p:cNvPr>
+          <p:cNvSpPr txBox="1"/>
+          <p:nvPr/>
+        </p:nvSpPr>
+        <p:spPr>
+          <a:xfrm>
+            <a:off x="3238959" y="2159306"/>
+            <a:ext cx="2093205" cy="646331"/>
+          </a:xfrm>
+          <a:prstGeom prst="rect">
+            <a:avLst/>
+          </a:prstGeom>
+          <a:noFill/>
+        </p:spPr>
+        <p:txBody>
+          <a:bodyPr wrap="square" rtlCol="0">
+            <a:spAutoFit/>
+          </a:bodyPr>
+          <a:lstStyle/>
+          <a:p>
+            <a:r>
+              <a:rPr lang="en-US" dirty="0"/>
+              <a:t>Assume sat/sun holiday</a:t>
+            </a:r>
+          </a:p>
+        </p:txBody>
+      </p:sp>
+    </p:spTree>
+    <p:extLst>
+      <p:ext uri="{BB962C8B-B14F-4D97-AF65-F5344CB8AC3E}">
+        <p14:creationId xmlns:p14="http://schemas.microsoft.com/office/powerpoint/2010/main" val="454678341"/>
+      </p:ext>
+    </p:extLst>
+  </p:cSld>
+  <p:clrMapOvr>
+    <a:masterClrMapping/>
+  </p:clrMapOvr>
+</p:sld>
+</file>
+
 <file path=ppt/slides/slide2.xml><?xml version="1.0" encoding="utf-8"?>
 <p:sld xmlns:a="http://schemas.openxmlformats.org/drawingml/2006/main" xmlns:r="http://schemas.openxmlformats.org/officeDocument/2006/relationships" xmlns:p="http://schemas.openxmlformats.org/presentationml/2006/main">
   <p:cSld>
@@ -3578,6 +5072,243 @@
     <p:extLst>
       <p:ext uri="{BB962C8B-B14F-4D97-AF65-F5344CB8AC3E}">
         <p14:creationId xmlns:p14="http://schemas.microsoft.com/office/powerpoint/2010/main" val="3136999220"/>
+      </p:ext>
+    </p:extLst>
+  </p:cSld>
+  <p:clrMapOvr>
+    <a:masterClrMapping/>
+  </p:clrMapOvr>
+</p:sld>
+</file>
+
+<file path=ppt/slides/slide20.xml><?xml version="1.0" encoding="utf-8"?>
+<p:sld xmlns:a="http://schemas.openxmlformats.org/drawingml/2006/main" xmlns:r="http://schemas.openxmlformats.org/officeDocument/2006/relationships" xmlns:p="http://schemas.openxmlformats.org/presentationml/2006/main">
+  <p:cSld>
+    <p:spTree>
+      <p:nvGrpSpPr>
+        <p:cNvPr id="1" name=""/>
+        <p:cNvGrpSpPr/>
+        <p:nvPr/>
+      </p:nvGrpSpPr>
+      <p:grpSpPr>
+        <a:xfrm>
+          <a:off x="0" y="0"/>
+          <a:ext cx="0" cy="0"/>
+          <a:chOff x="0" y="0"/>
+          <a:chExt cx="0" cy="0"/>
+        </a:xfrm>
+      </p:grpSpPr>
+      <p:sp>
+        <p:nvSpPr>
+          <p:cNvPr id="2" name="Title 1">
+            <a:extLst>
+              <a:ext uri="{FF2B5EF4-FFF2-40B4-BE49-F238E27FC236}">
+                <a16:creationId xmlns:a16="http://schemas.microsoft.com/office/drawing/2014/main" id="{D618C835-10CE-4A89-8E49-05CF174985D7}"/>
+              </a:ext>
+            </a:extLst>
+          </p:cNvPr>
+          <p:cNvSpPr>
+            <a:spLocks noGrp="1"/>
+          </p:cNvSpPr>
+          <p:nvPr>
+            <p:ph type="title"/>
+          </p:nvPr>
+        </p:nvSpPr>
+        <p:spPr/>
+        <p:txBody>
+          <a:bodyPr/>
+          <a:lstStyle/>
+          <a:p>
+            <a:r>
+              <a:rPr lang="en-US" dirty="0"/>
+              <a:t>EOMONTH(date of last day of particular month)</a:t>
+            </a:r>
+          </a:p>
+        </p:txBody>
+      </p:sp>
+      <p:pic>
+        <p:nvPicPr>
+          <p:cNvPr id="14" name="Content Placeholder 13">
+            <a:extLst>
+              <a:ext uri="{FF2B5EF4-FFF2-40B4-BE49-F238E27FC236}">
+                <a16:creationId xmlns:a16="http://schemas.microsoft.com/office/drawing/2014/main" id="{38B9690D-37F8-446E-951F-6C33EE3E365F}"/>
+              </a:ext>
+            </a:extLst>
+          </p:cNvPr>
+          <p:cNvPicPr>
+            <a:picLocks noGrp="1" noChangeAspect="1"/>
+          </p:cNvPicPr>
+          <p:nvPr>
+            <p:ph idx="1"/>
+          </p:nvPr>
+        </p:nvPicPr>
+        <p:blipFill>
+          <a:blip r:embed="rId2"/>
+          <a:stretch>
+            <a:fillRect/>
+          </a:stretch>
+        </p:blipFill>
+        <p:spPr>
+          <a:xfrm>
+            <a:off x="1638906" y="2141537"/>
+            <a:ext cx="6644713" cy="4351338"/>
+          </a:xfrm>
+        </p:spPr>
+      </p:pic>
+      <p:cxnSp>
+        <p:nvCxnSpPr>
+          <p:cNvPr id="16" name="Straight Arrow Connector 15">
+            <a:extLst>
+              <a:ext uri="{FF2B5EF4-FFF2-40B4-BE49-F238E27FC236}">
+                <a16:creationId xmlns:a16="http://schemas.microsoft.com/office/drawing/2014/main" id="{4137CAF5-9C21-45EF-8BAE-8AA1CE4DC689}"/>
+              </a:ext>
+            </a:extLst>
+          </p:cNvPr>
+          <p:cNvCxnSpPr/>
+          <p:nvPr/>
+        </p:nvCxnSpPr>
+        <p:spPr>
+          <a:xfrm flipV="1">
+            <a:off x="4629873" y="1863524"/>
+            <a:ext cx="1805651" cy="856527"/>
+          </a:xfrm>
+          <a:prstGeom prst="straightConnector1">
+            <a:avLst/>
+          </a:prstGeom>
+          <a:ln>
+            <a:tailEnd type="triangle"/>
+          </a:ln>
+        </p:spPr>
+        <p:style>
+          <a:lnRef idx="1">
+            <a:schemeClr val="accent1"/>
+          </a:lnRef>
+          <a:fillRef idx="0">
+            <a:schemeClr val="accent1"/>
+          </a:fillRef>
+          <a:effectRef idx="0">
+            <a:schemeClr val="accent1"/>
+          </a:effectRef>
+          <a:fontRef idx="minor">
+            <a:schemeClr val="tx1"/>
+          </a:fontRef>
+        </p:style>
+      </p:cxnSp>
+      <p:sp>
+        <p:nvSpPr>
+          <p:cNvPr id="17" name="TextBox 16">
+            <a:extLst>
+              <a:ext uri="{FF2B5EF4-FFF2-40B4-BE49-F238E27FC236}">
+                <a16:creationId xmlns:a16="http://schemas.microsoft.com/office/drawing/2014/main" id="{51D0BA8E-FBE1-4B59-8DD2-57138CCB3D09}"/>
+              </a:ext>
+            </a:extLst>
+          </p:cNvPr>
+          <p:cNvSpPr txBox="1"/>
+          <p:nvPr/>
+        </p:nvSpPr>
+        <p:spPr>
+          <a:xfrm>
+            <a:off x="6435525" y="1531345"/>
+            <a:ext cx="1265266" cy="923330"/>
+          </a:xfrm>
+          <a:prstGeom prst="rect">
+            <a:avLst/>
+          </a:prstGeom>
+          <a:noFill/>
+        </p:spPr>
+        <p:txBody>
+          <a:bodyPr wrap="square" rtlCol="0">
+            <a:spAutoFit/>
+          </a:bodyPr>
+          <a:lstStyle/>
+          <a:p>
+            <a:r>
+              <a:rPr lang="en-US" dirty="0"/>
+              <a:t>Date of last day of this month</a:t>
+            </a:r>
+          </a:p>
+        </p:txBody>
+      </p:sp>
+      <p:cxnSp>
+        <p:nvCxnSpPr>
+          <p:cNvPr id="18" name="Straight Arrow Connector 17">
+            <a:extLst>
+              <a:ext uri="{FF2B5EF4-FFF2-40B4-BE49-F238E27FC236}">
+                <a16:creationId xmlns:a16="http://schemas.microsoft.com/office/drawing/2014/main" id="{B5A8D7B9-3427-456A-92B5-5A35AE25FF26}"/>
+              </a:ext>
+            </a:extLst>
+          </p:cNvPr>
+          <p:cNvCxnSpPr>
+            <a:cxnSpLocks/>
+          </p:cNvCxnSpPr>
+          <p:nvPr/>
+        </p:nvCxnSpPr>
+        <p:spPr>
+          <a:xfrm>
+            <a:off x="5078776" y="2998064"/>
+            <a:ext cx="3547431" cy="273946"/>
+          </a:xfrm>
+          <a:prstGeom prst="straightConnector1">
+            <a:avLst/>
+          </a:prstGeom>
+          <a:ln>
+            <a:tailEnd type="triangle"/>
+          </a:ln>
+        </p:spPr>
+        <p:style>
+          <a:lnRef idx="1">
+            <a:schemeClr val="accent1"/>
+          </a:lnRef>
+          <a:fillRef idx="0">
+            <a:schemeClr val="accent1"/>
+          </a:fillRef>
+          <a:effectRef idx="0">
+            <a:schemeClr val="accent1"/>
+          </a:effectRef>
+          <a:fontRef idx="minor">
+            <a:schemeClr val="tx1"/>
+          </a:fontRef>
+        </p:style>
+      </p:cxnSp>
+      <p:sp>
+        <p:nvSpPr>
+          <p:cNvPr id="23" name="TextBox 22">
+            <a:extLst>
+              <a:ext uri="{FF2B5EF4-FFF2-40B4-BE49-F238E27FC236}">
+                <a16:creationId xmlns:a16="http://schemas.microsoft.com/office/drawing/2014/main" id="{86C8F56E-90FC-4782-A7DA-B495C2A15BA9}"/>
+              </a:ext>
+            </a:extLst>
+          </p:cNvPr>
+          <p:cNvSpPr txBox="1"/>
+          <p:nvPr/>
+        </p:nvSpPr>
+        <p:spPr>
+          <a:xfrm>
+            <a:off x="8758410" y="3084723"/>
+            <a:ext cx="1410159" cy="923330"/>
+          </a:xfrm>
+          <a:prstGeom prst="rect">
+            <a:avLst/>
+          </a:prstGeom>
+          <a:noFill/>
+        </p:spPr>
+        <p:txBody>
+          <a:bodyPr wrap="square" rtlCol="0">
+            <a:spAutoFit/>
+          </a:bodyPr>
+          <a:lstStyle/>
+          <a:p>
+            <a:r>
+              <a:rPr lang="en-US" dirty="0"/>
+              <a:t>5 days after last day of this month</a:t>
+            </a:r>
+          </a:p>
+        </p:txBody>
+      </p:sp>
+    </p:spTree>
+    <p:extLst>
+      <p:ext uri="{BB962C8B-B14F-4D97-AF65-F5344CB8AC3E}">
+        <p14:creationId xmlns:p14="http://schemas.microsoft.com/office/powerpoint/2010/main" val="606121374"/>
       </p:ext>
     </p:extLst>
   </p:cSld>
@@ -3855,6 +5586,80 @@
           </a:xfrm>
         </p:spPr>
       </p:pic>
+      <p:cxnSp>
+        <p:nvCxnSpPr>
+          <p:cNvPr id="4" name="Straight Arrow Connector 3">
+            <a:extLst>
+              <a:ext uri="{FF2B5EF4-FFF2-40B4-BE49-F238E27FC236}">
+                <a16:creationId xmlns:a16="http://schemas.microsoft.com/office/drawing/2014/main" id="{CA051457-33FB-4162-9E04-2FAB244214BB}"/>
+              </a:ext>
+            </a:extLst>
+          </p:cNvPr>
+          <p:cNvCxnSpPr/>
+          <p:nvPr/>
+        </p:nvCxnSpPr>
+        <p:spPr>
+          <a:xfrm>
+            <a:off x="3888954" y="1068636"/>
+            <a:ext cx="1432193" cy="622052"/>
+          </a:xfrm>
+          <a:prstGeom prst="straightConnector1">
+            <a:avLst/>
+          </a:prstGeom>
+          <a:ln>
+            <a:tailEnd type="triangle"/>
+          </a:ln>
+        </p:spPr>
+        <p:style>
+          <a:lnRef idx="1">
+            <a:schemeClr val="accent1"/>
+          </a:lnRef>
+          <a:fillRef idx="0">
+            <a:schemeClr val="accent1"/>
+          </a:fillRef>
+          <a:effectRef idx="0">
+            <a:schemeClr val="accent1"/>
+          </a:effectRef>
+          <a:fontRef idx="minor">
+            <a:schemeClr val="tx1"/>
+          </a:fontRef>
+        </p:style>
+      </p:cxnSp>
+      <p:sp>
+        <p:nvSpPr>
+          <p:cNvPr id="6" name="TextBox 5">
+            <a:extLst>
+              <a:ext uri="{FF2B5EF4-FFF2-40B4-BE49-F238E27FC236}">
+                <a16:creationId xmlns:a16="http://schemas.microsoft.com/office/drawing/2014/main" id="{D04FB5FD-70B8-4077-8172-F2197352C055}"/>
+              </a:ext>
+            </a:extLst>
+          </p:cNvPr>
+          <p:cNvSpPr txBox="1"/>
+          <p:nvPr/>
+        </p:nvSpPr>
+        <p:spPr>
+          <a:xfrm>
+            <a:off x="5266062" y="1690688"/>
+            <a:ext cx="3756751" cy="646331"/>
+          </a:xfrm>
+          <a:prstGeom prst="rect">
+            <a:avLst/>
+          </a:prstGeom>
+          <a:noFill/>
+        </p:spPr>
+        <p:txBody>
+          <a:bodyPr wrap="square" rtlCol="0">
+            <a:spAutoFit/>
+          </a:bodyPr>
+          <a:lstStyle/>
+          <a:p>
+            <a:r>
+              <a:rPr lang="en-US" dirty="0"/>
+              <a:t>It only work if the target is text format not date format</a:t>
+            </a:r>
+          </a:p>
+        </p:txBody>
+      </p:sp>
     </p:spTree>
     <p:extLst>
       <p:ext uri="{BB962C8B-B14F-4D97-AF65-F5344CB8AC3E}">
@@ -4128,6 +5933,93 @@
     <p:extLst>
       <p:ext uri="{BB962C8B-B14F-4D97-AF65-F5344CB8AC3E}">
         <p14:creationId xmlns:p14="http://schemas.microsoft.com/office/powerpoint/2010/main" val="1793487878"/>
+      </p:ext>
+    </p:extLst>
+  </p:cSld>
+  <p:clrMapOvr>
+    <a:masterClrMapping/>
+  </p:clrMapOvr>
+</p:sld>
+</file>
+
+<file path=ppt/slides/slide9.xml><?xml version="1.0" encoding="utf-8"?>
+<p:sld xmlns:a="http://schemas.openxmlformats.org/drawingml/2006/main" xmlns:r="http://schemas.openxmlformats.org/officeDocument/2006/relationships" xmlns:p="http://schemas.openxmlformats.org/presentationml/2006/main">
+  <p:cSld>
+    <p:spTree>
+      <p:nvGrpSpPr>
+        <p:cNvPr id="1" name=""/>
+        <p:cNvGrpSpPr/>
+        <p:nvPr/>
+      </p:nvGrpSpPr>
+      <p:grpSpPr>
+        <a:xfrm>
+          <a:off x="0" y="0"/>
+          <a:ext cx="0" cy="0"/>
+          <a:chOff x="0" y="0"/>
+          <a:chExt cx="0" cy="0"/>
+        </a:xfrm>
+      </p:grpSpPr>
+      <p:sp>
+        <p:nvSpPr>
+          <p:cNvPr id="2" name="Title 1">
+            <a:extLst>
+              <a:ext uri="{FF2B5EF4-FFF2-40B4-BE49-F238E27FC236}">
+                <a16:creationId xmlns:a16="http://schemas.microsoft.com/office/drawing/2014/main" id="{D43DF89B-5C43-4961-A554-6E00590B8A40}"/>
+              </a:ext>
+            </a:extLst>
+          </p:cNvPr>
+          <p:cNvSpPr>
+            <a:spLocks noGrp="1"/>
+          </p:cNvSpPr>
+          <p:nvPr>
+            <p:ph type="title"/>
+          </p:nvPr>
+        </p:nvSpPr>
+        <p:spPr/>
+        <p:txBody>
+          <a:bodyPr/>
+          <a:lstStyle/>
+          <a:p>
+            <a:r>
+              <a:rPr lang="en-US" dirty="0"/>
+              <a:t>Clean (strips non-printable characters from text)</a:t>
+            </a:r>
+          </a:p>
+        </p:txBody>
+      </p:sp>
+      <p:pic>
+        <p:nvPicPr>
+          <p:cNvPr id="5" name="Content Placeholder 4">
+            <a:extLst>
+              <a:ext uri="{FF2B5EF4-FFF2-40B4-BE49-F238E27FC236}">
+                <a16:creationId xmlns:a16="http://schemas.microsoft.com/office/drawing/2014/main" id="{85AF0067-436C-4C9C-AAE4-FF886DE52CB8}"/>
+              </a:ext>
+            </a:extLst>
+          </p:cNvPr>
+          <p:cNvPicPr>
+            <a:picLocks noGrp="1" noChangeAspect="1"/>
+          </p:cNvPicPr>
+          <p:nvPr>
+            <p:ph idx="1"/>
+          </p:nvPr>
+        </p:nvPicPr>
+        <p:blipFill>
+          <a:blip r:embed="rId2"/>
+          <a:stretch>
+            <a:fillRect/>
+          </a:stretch>
+        </p:blipFill>
+        <p:spPr>
+          <a:xfrm>
+            <a:off x="1089026" y="1825625"/>
+            <a:ext cx="10013948" cy="4351338"/>
+          </a:xfrm>
+        </p:spPr>
+      </p:pic>
+    </p:spTree>
+    <p:extLst>
+      <p:ext uri="{BB962C8B-B14F-4D97-AF65-F5344CB8AC3E}">
+        <p14:creationId xmlns:p14="http://schemas.microsoft.com/office/powerpoint/2010/main" val="1298482960"/>
       </p:ext>
     </p:extLst>
   </p:cSld>
